--- a/Template final assessment - Task 1.pptx
+++ b/Template final assessment - Task 1.pptx
@@ -5,10 +5,10 @@
     <p:sldMasterId id="2147483648" r:id="rId4"/>
   </p:sldMasterIdLst>
   <p:notesMasterIdLst>
-    <p:notesMasterId r:id="rId11"/>
+    <p:notesMasterId r:id="rId12"/>
   </p:notesMasterIdLst>
   <p:handoutMasterIdLst>
-    <p:handoutMasterId r:id="rId12"/>
+    <p:handoutMasterId r:id="rId13"/>
   </p:handoutMasterIdLst>
   <p:sldIdLst>
     <p:sldId id="257" r:id="rId5"/>
@@ -17,6 +17,7 @@
     <p:sldId id="263" r:id="rId8"/>
     <p:sldId id="264" r:id="rId9"/>
     <p:sldId id="266" r:id="rId10"/>
+    <p:sldId id="267" r:id="rId11"/>
   </p:sldIdLst>
   <p:sldSz cx="9144000" cy="6858000" type="screen4x3"/>
   <p:notesSz cx="6858000" cy="9144000"/>
@@ -290,7 +291,7 @@
               <a:pPr>
                 <a:defRPr/>
               </a:pPr>
-              <a:t>24/11/2022</a:t>
+              <a:t>25/11/2022</a:t>
             </a:fld>
             <a:endParaRPr lang="en-GB" dirty="0"/>
           </a:p>
@@ -509,7 +510,7 @@
               <a:pPr>
                 <a:defRPr/>
               </a:pPr>
-              <a:t>24/11/2022</a:t>
+              <a:t>25/11/2022</a:t>
             </a:fld>
             <a:endParaRPr lang="en-GB" dirty="0"/>
           </a:p>
@@ -929,6 +930,186 @@
 </p:notes>
 </file>
 
+<file path=ppt/notesSlides/notesSlide2.xml><?xml version="1.0" encoding="utf-8"?>
+<p:notes xmlns:a="http://schemas.openxmlformats.org/drawingml/2006/main" xmlns:r="http://schemas.openxmlformats.org/officeDocument/2006/relationships" xmlns:p="http://schemas.openxmlformats.org/presentationml/2006/main">
+  <p:cSld>
+    <p:spTree>
+      <p:nvGrpSpPr>
+        <p:cNvPr id="1" name=""/>
+        <p:cNvGrpSpPr/>
+        <p:nvPr/>
+      </p:nvGrpSpPr>
+      <p:grpSpPr>
+        <a:xfrm>
+          <a:off x="0" y="0"/>
+          <a:ext cx="0" cy="0"/>
+          <a:chOff x="0" y="0"/>
+          <a:chExt cx="0" cy="0"/>
+        </a:xfrm>
+      </p:grpSpPr>
+      <p:sp>
+        <p:nvSpPr>
+          <p:cNvPr id="2" name="Slide Image Placeholder 1"/>
+          <p:cNvSpPr>
+            <a:spLocks noGrp="1" noRot="1" noChangeAspect="1"/>
+          </p:cNvSpPr>
+          <p:nvPr>
+            <p:ph type="sldImg"/>
+          </p:nvPr>
+        </p:nvSpPr>
+        <p:spPr/>
+      </p:sp>
+      <p:sp>
+        <p:nvSpPr>
+          <p:cNvPr id="3" name="Notes Placeholder 2"/>
+          <p:cNvSpPr>
+            <a:spLocks noGrp="1"/>
+          </p:cNvSpPr>
+          <p:nvPr>
+            <p:ph type="body" idx="1"/>
+          </p:nvPr>
+        </p:nvSpPr>
+        <p:spPr/>
+        <p:txBody>
+          <a:bodyPr/>
+          <a:lstStyle/>
+          <a:p>
+            <a:endParaRPr lang="en-GB" dirty="0"/>
+          </a:p>
+        </p:txBody>
+      </p:sp>
+      <p:sp>
+        <p:nvSpPr>
+          <p:cNvPr id="4" name="Slide Number Placeholder 3"/>
+          <p:cNvSpPr>
+            <a:spLocks noGrp="1"/>
+          </p:cNvSpPr>
+          <p:nvPr>
+            <p:ph type="sldNum" sz="quarter" idx="5"/>
+          </p:nvPr>
+        </p:nvSpPr>
+        <p:spPr/>
+        <p:txBody>
+          <a:bodyPr/>
+          <a:lstStyle/>
+          <a:p>
+            <a:pPr>
+              <a:defRPr/>
+            </a:pPr>
+            <a:fld id="{A5A7925E-1572-43E0-9C43-F892C4797A1A}" type="slidenum">
+              <a:rPr lang="en-GB" altLang="en-US" smtClean="0"/>
+              <a:pPr>
+                <a:defRPr/>
+              </a:pPr>
+              <a:t>3</a:t>
+            </a:fld>
+            <a:endParaRPr lang="en-GB" altLang="en-US" dirty="0"/>
+          </a:p>
+        </p:txBody>
+      </p:sp>
+    </p:spTree>
+    <p:extLst>
+      <p:ext uri="{BB962C8B-B14F-4D97-AF65-F5344CB8AC3E}">
+        <p14:creationId xmlns:p14="http://schemas.microsoft.com/office/powerpoint/2010/main" val="3776165607"/>
+      </p:ext>
+    </p:extLst>
+  </p:cSld>
+  <p:clrMapOvr>
+    <a:masterClrMapping/>
+  </p:clrMapOvr>
+</p:notes>
+</file>
+
+<file path=ppt/notesSlides/notesSlide3.xml><?xml version="1.0" encoding="utf-8"?>
+<p:notes xmlns:a="http://schemas.openxmlformats.org/drawingml/2006/main" xmlns:r="http://schemas.openxmlformats.org/officeDocument/2006/relationships" xmlns:p="http://schemas.openxmlformats.org/presentationml/2006/main">
+  <p:cSld>
+    <p:spTree>
+      <p:nvGrpSpPr>
+        <p:cNvPr id="1" name=""/>
+        <p:cNvGrpSpPr/>
+        <p:nvPr/>
+      </p:nvGrpSpPr>
+      <p:grpSpPr>
+        <a:xfrm>
+          <a:off x="0" y="0"/>
+          <a:ext cx="0" cy="0"/>
+          <a:chOff x="0" y="0"/>
+          <a:chExt cx="0" cy="0"/>
+        </a:xfrm>
+      </p:grpSpPr>
+      <p:sp>
+        <p:nvSpPr>
+          <p:cNvPr id="2" name="Slide Image Placeholder 1"/>
+          <p:cNvSpPr>
+            <a:spLocks noGrp="1" noRot="1" noChangeAspect="1"/>
+          </p:cNvSpPr>
+          <p:nvPr>
+            <p:ph type="sldImg"/>
+          </p:nvPr>
+        </p:nvSpPr>
+        <p:spPr/>
+      </p:sp>
+      <p:sp>
+        <p:nvSpPr>
+          <p:cNvPr id="3" name="Notes Placeholder 2"/>
+          <p:cNvSpPr>
+            <a:spLocks noGrp="1"/>
+          </p:cNvSpPr>
+          <p:nvPr>
+            <p:ph type="body" idx="1"/>
+          </p:nvPr>
+        </p:nvSpPr>
+        <p:spPr/>
+        <p:txBody>
+          <a:bodyPr/>
+          <a:lstStyle/>
+          <a:p>
+            <a:endParaRPr lang="en-GB" dirty="0"/>
+          </a:p>
+        </p:txBody>
+      </p:sp>
+      <p:sp>
+        <p:nvSpPr>
+          <p:cNvPr id="4" name="Slide Number Placeholder 3"/>
+          <p:cNvSpPr>
+            <a:spLocks noGrp="1"/>
+          </p:cNvSpPr>
+          <p:nvPr>
+            <p:ph type="sldNum" sz="quarter" idx="5"/>
+          </p:nvPr>
+        </p:nvSpPr>
+        <p:spPr/>
+        <p:txBody>
+          <a:bodyPr/>
+          <a:lstStyle/>
+          <a:p>
+            <a:pPr>
+              <a:defRPr/>
+            </a:pPr>
+            <a:fld id="{A5A7925E-1572-43E0-9C43-F892C4797A1A}" type="slidenum">
+              <a:rPr lang="en-GB" altLang="en-US" smtClean="0"/>
+              <a:pPr>
+                <a:defRPr/>
+              </a:pPr>
+              <a:t>7</a:t>
+            </a:fld>
+            <a:endParaRPr lang="en-GB" altLang="en-US" dirty="0"/>
+          </a:p>
+        </p:txBody>
+      </p:sp>
+    </p:spTree>
+    <p:extLst>
+      <p:ext uri="{BB962C8B-B14F-4D97-AF65-F5344CB8AC3E}">
+        <p14:creationId xmlns:p14="http://schemas.microsoft.com/office/powerpoint/2010/main" val="3795815057"/>
+      </p:ext>
+    </p:extLst>
+  </p:cSld>
+  <p:clrMapOvr>
+    <a:masterClrMapping/>
+  </p:clrMapOvr>
+</p:notes>
+</file>
+
 <file path=ppt/slideLayouts/slideLayout1.xml><?xml version="1.0" encoding="utf-8"?>
 <p:sldLayout xmlns:a="http://schemas.openxmlformats.org/drawingml/2006/main" xmlns:r="http://schemas.openxmlformats.org/officeDocument/2006/relationships" xmlns:p="http://schemas.openxmlformats.org/presentationml/2006/main" type="title" preserve="1">
   <p:cSld name="Title and subtitle">
@@ -1163,7 +1344,7 @@
               <a:pPr>
                 <a:defRPr/>
               </a:pPr>
-              <a:t>24 November 2022</a:t>
+              <a:t>25 November 2022</a:t>
             </a:fld>
             <a:endParaRPr lang="en-GB" dirty="0"/>
           </a:p>
@@ -1362,7 +1543,7 @@
               <a:pPr>
                 <a:defRPr/>
               </a:pPr>
-              <a:t>24 November 2022</a:t>
+              <a:t>25 November 2022</a:t>
             </a:fld>
             <a:endParaRPr lang="en-GB" dirty="0"/>
           </a:p>
@@ -1521,7 +1702,7 @@
               <a:pPr>
                 <a:defRPr/>
               </a:pPr>
-              <a:t>24 November 2022</a:t>
+              <a:t>25 November 2022</a:t>
             </a:fld>
             <a:endParaRPr lang="en-GB" dirty="0"/>
           </a:p>
@@ -1787,7 +1968,7 @@
               <a:pPr>
                 <a:defRPr/>
               </a:pPr>
-              <a:t>24 November 2022</a:t>
+              <a:t>25 November 2022</a:t>
             </a:fld>
             <a:endParaRPr lang="en-GB" dirty="0"/>
           </a:p>
@@ -2012,7 +2193,7 @@
               <a:pPr>
                 <a:defRPr/>
               </a:pPr>
-              <a:t>24 November 2022</a:t>
+              <a:t>25 November 2022</a:t>
             </a:fld>
             <a:endParaRPr lang="en-GB" dirty="0"/>
           </a:p>
@@ -2108,7 +2289,7 @@
               <a:pPr>
                 <a:defRPr/>
               </a:pPr>
-              <a:t>24 November 2022</a:t>
+              <a:t>25 November 2022</a:t>
             </a:fld>
             <a:endParaRPr lang="en-GB" dirty="0"/>
           </a:p>
@@ -2470,7 +2651,7 @@
               <a:pPr>
                 <a:defRPr/>
               </a:pPr>
-              <a:t>24 November 2022</a:t>
+              <a:t>25 November 2022</a:t>
             </a:fld>
             <a:endParaRPr lang="en-GB" dirty="0"/>
           </a:p>
@@ -3054,7 +3235,23 @@
           <a:p>
             <a:r>
               <a:rPr lang="en-GB" altLang="en-US" dirty="0"/>
-              <a:t>Name 1, Name 2, ….</a:t>
+              <a:t>Harry Liu - fx19583</a:t>
+            </a:r>
+          </a:p>
+          <a:p>
+            <a:r>
+              <a:rPr lang="en-GB" altLang="en-US" dirty="0"/>
+              <a:t>Stephanie Lin - pt19585</a:t>
+            </a:r>
+          </a:p>
+          <a:p>
+            <a:r>
+              <a:rPr lang="en-GB" altLang="en-US" dirty="0" err="1"/>
+              <a:t>Daiyun</a:t>
+            </a:r>
+            <a:r>
+              <a:rPr lang="en-GB" altLang="en-US" dirty="0"/>
+              <a:t> Chen - mt20768</a:t>
             </a:r>
           </a:p>
         </p:txBody>
@@ -3386,7 +3583,7 @@
                   <a:spcPct val="0"/>
                 </a:spcAft>
               </a:pPr>
-              <a:t>24 November 2022</a:t>
+              <a:t>25 November 2022</a:t>
             </a:fld>
             <a:endParaRPr lang="en-GB" altLang="en-US" dirty="0">
               <a:solidFill>
@@ -3553,7 +3750,7 @@
               <a:pPr>
                 <a:defRPr/>
               </a:pPr>
-              <a:t>24 November 2022</a:t>
+              <a:t>25 November 2022</a:t>
             </a:fld>
             <a:endParaRPr lang="en-GB" dirty="0"/>
           </a:p>
@@ -3667,7 +3864,7 @@
             </a:r>
             <a:r>
               <a:rPr lang="en-GB" dirty="0"/>
-              <a:t>: left</a:t>
+              <a:t>: right</a:t>
             </a:r>
           </a:p>
           <a:p>
@@ -3678,7 +3875,7 @@
             </a:r>
             <a:r>
               <a:rPr lang="en-GB" dirty="0"/>
-              <a:t>: right</a:t>
+              <a:t>: left</a:t>
             </a:r>
           </a:p>
           <a:p>
@@ -3700,7 +3897,18 @@
             </a:r>
             <a:r>
               <a:rPr lang="en-GB" dirty="0"/>
-              <a:t>: switching from interrupt to polling</a:t>
+              <a:t>: Auto mode</a:t>
+            </a:r>
+          </a:p>
+          <a:p>
+            <a:pPr lvl="1"/>
+            <a:r>
+              <a:rPr lang="en-GB" u="sng" dirty="0"/>
+              <a:t>Pink</a:t>
+            </a:r>
+            <a:r>
+              <a:rPr lang="en-GB" dirty="0"/>
+              <a:t>: Free mode</a:t>
             </a:r>
           </a:p>
           <a:p>
@@ -3763,7 +3971,7 @@
               <a:pPr>
                 <a:defRPr/>
               </a:pPr>
-              <a:t>24 November 2022</a:t>
+              <a:t>25 November 2022</a:t>
             </a:fld>
             <a:endParaRPr lang="en-GB" dirty="0"/>
           </a:p>
@@ -3838,20 +4046,27 @@
           <a:p>
             <a:r>
               <a:rPr lang="en-GB" dirty="0"/>
-              <a:t>How do you implement operation of robot with  polling? Why?</a:t>
+              <a:t>How do you implement operation of robot with polling? Why?</a:t>
             </a:r>
           </a:p>
           <a:p>
             <a:pPr lvl="1"/>
             <a:r>
               <a:rPr lang="en-GB" dirty="0"/>
-              <a:t>Using a while loop that sequentially checks for instructions that is given.</a:t>
-            </a:r>
-          </a:p>
-          <a:p>
+              <a:t>Using a while loop that sequentially runs for instructions that is given.</a:t>
+            </a:r>
+          </a:p>
+          <a:p>
+            <a:pPr lvl="1"/>
             <a:r>
               <a:rPr lang="en-GB" dirty="0"/>
-              <a:t>How do you implement operation of robot with  interrupts? Why?</a:t>
+              <a:t>And checks the bump switch one by one to see if it has hit something.</a:t>
+            </a:r>
+          </a:p>
+          <a:p>
+            <a:r>
+              <a:rPr lang="en-GB" dirty="0"/>
+              <a:t>How do you implement operation of robot with interrupts? Why?</a:t>
             </a:r>
           </a:p>
           <a:p>
@@ -3865,6 +4080,24 @@
             <a:r>
               <a:rPr lang="en-GB" dirty="0"/>
               <a:t>How have you kept the ISRs minimal?</a:t>
+            </a:r>
+          </a:p>
+          <a:p>
+            <a:pPr lvl="1"/>
+            <a:r>
+              <a:rPr lang="en-GB" dirty="0"/>
+              <a:t>Clear and memory stack after each interrupt</a:t>
+            </a:r>
+          </a:p>
+          <a:p>
+            <a:pPr lvl="1"/>
+            <a:r>
+              <a:rPr lang="en-GB"/>
+              <a:t>Disable </a:t>
+            </a:r>
+            <a:r>
+              <a:rPr lang="en-GB" dirty="0"/>
+              <a:t>interrupt when polling is used</a:t>
             </a:r>
           </a:p>
         </p:txBody>
@@ -3921,7 +4154,7 @@
               <a:pPr>
                 <a:defRPr/>
               </a:pPr>
-              <a:t>24 November 2022</a:t>
+              <a:t>25 November 2022</a:t>
             </a:fld>
             <a:endParaRPr lang="en-GB" dirty="0"/>
           </a:p>
@@ -3999,6 +4232,32 @@
               <a:t>Where have delays been used? Why?</a:t>
             </a:r>
           </a:p>
+          <a:p>
+            <a:pPr lvl="1"/>
+            <a:r>
+              <a:rPr lang="en-GB" dirty="0"/>
+              <a:t>In the </a:t>
+            </a:r>
+            <a:r>
+              <a:rPr lang="en-GB" dirty="0" err="1"/>
+              <a:t>mode_selection</a:t>
+            </a:r>
+            <a:r>
+              <a:rPr lang="en-GB" dirty="0"/>
+              <a:t> function, to wait for user to input select mode.</a:t>
+            </a:r>
+          </a:p>
+          <a:p>
+            <a:pPr lvl="1"/>
+            <a:r>
+              <a:rPr lang="en-GB" dirty="0"/>
+              <a:t>Also used when changing direction, to slow down the turning process.</a:t>
+            </a:r>
+          </a:p>
+          <a:p>
+            <a:pPr lvl="1"/>
+            <a:endParaRPr lang="en-GB" dirty="0"/>
+          </a:p>
         </p:txBody>
       </p:sp>
       <p:sp>
@@ -4053,7 +4312,7 @@
               <a:pPr>
                 <a:defRPr/>
               </a:pPr>
-              <a:t>24 November 2022</a:t>
+              <a:t>25 November 2022</a:t>
             </a:fld>
             <a:endParaRPr lang="en-GB" dirty="0"/>
           </a:p>
@@ -4190,16 +4449,213 @@
               <a:pPr>
                 <a:defRPr/>
               </a:pPr>
-              <a:t>24 November 2022</a:t>
+              <a:t>25 November 2022</a:t>
             </a:fld>
             <a:endParaRPr lang="en-GB" dirty="0"/>
           </a:p>
         </p:txBody>
       </p:sp>
+      <p:pic>
+        <p:nvPicPr>
+          <p:cNvPr id="7" name="Picture 6">
+            <a:extLst>
+              <a:ext uri="{FF2B5EF4-FFF2-40B4-BE49-F238E27FC236}">
+                <a16:creationId xmlns:a16="http://schemas.microsoft.com/office/drawing/2014/main" id="{6EB56868-FD91-548A-F4E2-D9D5F63FF8C3}"/>
+              </a:ext>
+            </a:extLst>
+          </p:cNvPr>
+          <p:cNvPicPr>
+            <a:picLocks noChangeAspect="1"/>
+          </p:cNvPicPr>
+          <p:nvPr/>
+        </p:nvPicPr>
+        <p:blipFill>
+          <a:blip r:embed="rId2"/>
+          <a:stretch>
+            <a:fillRect/>
+          </a:stretch>
+        </p:blipFill>
+        <p:spPr>
+          <a:xfrm>
+            <a:off x="-8935" y="1749943"/>
+            <a:ext cx="9144000" cy="5143500"/>
+          </a:xfrm>
+          <a:prstGeom prst="rect">
+            <a:avLst/>
+          </a:prstGeom>
+        </p:spPr>
+      </p:pic>
     </p:spTree>
     <p:extLst>
       <p:ext uri="{BB962C8B-B14F-4D97-AF65-F5344CB8AC3E}">
         <p14:creationId xmlns:p14="http://schemas.microsoft.com/office/powerpoint/2010/main" val="4225268128"/>
+      </p:ext>
+    </p:extLst>
+  </p:cSld>
+  <p:clrMapOvr>
+    <a:masterClrMapping/>
+  </p:clrMapOvr>
+</p:sld>
+</file>
+
+<file path=ppt/slides/slide7.xml><?xml version="1.0" encoding="utf-8"?>
+<p:sld xmlns:a="http://schemas.openxmlformats.org/drawingml/2006/main" xmlns:r="http://schemas.openxmlformats.org/officeDocument/2006/relationships" xmlns:p="http://schemas.openxmlformats.org/presentationml/2006/main">
+  <p:cSld>
+    <p:spTree>
+      <p:nvGrpSpPr>
+        <p:cNvPr id="1" name=""/>
+        <p:cNvGrpSpPr/>
+        <p:nvPr/>
+      </p:nvGrpSpPr>
+      <p:grpSpPr>
+        <a:xfrm>
+          <a:off x="0" y="0"/>
+          <a:ext cx="0" cy="0"/>
+          <a:chOff x="0" y="0"/>
+          <a:chExt cx="0" cy="0"/>
+        </a:xfrm>
+      </p:grpSpPr>
+      <p:sp>
+        <p:nvSpPr>
+          <p:cNvPr id="2" name="Title 1"/>
+          <p:cNvSpPr>
+            <a:spLocks noGrp="1"/>
+          </p:cNvSpPr>
+          <p:nvPr>
+            <p:ph type="title"/>
+          </p:nvPr>
+        </p:nvSpPr>
+        <p:spPr/>
+        <p:txBody>
+          <a:bodyPr>
+            <a:normAutofit/>
+          </a:bodyPr>
+          <a:lstStyle/>
+          <a:p>
+            <a:r>
+              <a:rPr lang="en-GB" dirty="0"/>
+              <a:t>CPU Usage</a:t>
+            </a:r>
+          </a:p>
+        </p:txBody>
+      </p:sp>
+      <p:sp>
+        <p:nvSpPr>
+          <p:cNvPr id="3" name="Content Placeholder 2"/>
+          <p:cNvSpPr>
+            <a:spLocks noGrp="1"/>
+          </p:cNvSpPr>
+          <p:nvPr>
+            <p:ph idx="1"/>
+          </p:nvPr>
+        </p:nvSpPr>
+        <p:spPr/>
+        <p:txBody>
+          <a:bodyPr/>
+          <a:lstStyle/>
+          <a:p>
+            <a:r>
+              <a:rPr lang="en-GB" dirty="0"/>
+              <a:t>How have you measured the CPU utilization?</a:t>
+            </a:r>
+          </a:p>
+          <a:p>
+            <a:endParaRPr lang="en-GB" dirty="0"/>
+          </a:p>
+        </p:txBody>
+      </p:sp>
+      <p:sp>
+        <p:nvSpPr>
+          <p:cNvPr id="4" name="Slide Number Placeholder 3"/>
+          <p:cNvSpPr>
+            <a:spLocks noGrp="1"/>
+          </p:cNvSpPr>
+          <p:nvPr>
+            <p:ph type="sldNum" sz="quarter" idx="11"/>
+          </p:nvPr>
+        </p:nvSpPr>
+        <p:spPr/>
+        <p:txBody>
+          <a:bodyPr/>
+          <a:lstStyle/>
+          <a:p>
+            <a:pPr>
+              <a:defRPr/>
+            </a:pPr>
+            <a:fld id="{C9421E46-382C-4EE9-B45B-87761AE2BCD5}" type="slidenum">
+              <a:rPr lang="en-GB" altLang="en-US" smtClean="0"/>
+              <a:pPr>
+                <a:defRPr/>
+              </a:pPr>
+              <a:t>7</a:t>
+            </a:fld>
+            <a:endParaRPr lang="en-GB" altLang="en-US" dirty="0"/>
+          </a:p>
+        </p:txBody>
+      </p:sp>
+      <p:sp>
+        <p:nvSpPr>
+          <p:cNvPr id="5" name="Date Placeholder 4"/>
+          <p:cNvSpPr>
+            <a:spLocks noGrp="1"/>
+          </p:cNvSpPr>
+          <p:nvPr>
+            <p:ph type="dt" sz="half" idx="12"/>
+          </p:nvPr>
+        </p:nvSpPr>
+        <p:spPr/>
+        <p:txBody>
+          <a:bodyPr/>
+          <a:lstStyle/>
+          <a:p>
+            <a:pPr>
+              <a:defRPr/>
+            </a:pPr>
+            <a:fld id="{7EABAC35-51C5-4AC7-9255-2D72D8BB8FCD}" type="datetime4">
+              <a:rPr lang="en-GB" smtClean="0"/>
+              <a:pPr>
+                <a:defRPr/>
+              </a:pPr>
+              <a:t>25 November 2022</a:t>
+            </a:fld>
+            <a:endParaRPr lang="en-GB" dirty="0"/>
+          </a:p>
+        </p:txBody>
+      </p:sp>
+      <p:pic>
+        <p:nvPicPr>
+          <p:cNvPr id="8" name="Picture 7">
+            <a:extLst>
+              <a:ext uri="{FF2B5EF4-FFF2-40B4-BE49-F238E27FC236}">
+                <a16:creationId xmlns:a16="http://schemas.microsoft.com/office/drawing/2014/main" id="{6045DC41-AC7E-3B74-7C3D-7C9817B0130E}"/>
+              </a:ext>
+            </a:extLst>
+          </p:cNvPr>
+          <p:cNvPicPr>
+            <a:picLocks noChangeAspect="1"/>
+          </p:cNvPicPr>
+          <p:nvPr/>
+        </p:nvPicPr>
+        <p:blipFill>
+          <a:blip r:embed="rId3"/>
+          <a:stretch>
+            <a:fillRect/>
+          </a:stretch>
+        </p:blipFill>
+        <p:spPr>
+          <a:xfrm>
+            <a:off x="0" y="1729992"/>
+            <a:ext cx="9144000" cy="5143500"/>
+          </a:xfrm>
+          <a:prstGeom prst="rect">
+            <a:avLst/>
+          </a:prstGeom>
+        </p:spPr>
+      </p:pic>
+    </p:spTree>
+    <p:extLst>
+      <p:ext uri="{BB962C8B-B14F-4D97-AF65-F5344CB8AC3E}">
+        <p14:creationId xmlns:p14="http://schemas.microsoft.com/office/powerpoint/2010/main" val="3567986211"/>
       </p:ext>
     </p:extLst>
   </p:cSld>
@@ -5065,15 +5521,6 @@
 </file>
 
 <file path=customXml/item2.xml><?xml version="1.0" encoding="utf-8"?>
-<?mso-contentType ?>
-<FormTemplates xmlns="http://schemas.microsoft.com/sharepoint/v3/contenttype/forms">
-  <Display>DocumentLibraryForm</Display>
-  <Edit>DocumentLibraryForm</Edit>
-  <New>DocumentLibraryForm</New>
-</FormTemplates>
-</file>
-
-<file path=customXml/item3.xml><?xml version="1.0" encoding="utf-8"?>
 <ct:contentTypeSchema xmlns:ct="http://schemas.microsoft.com/office/2006/metadata/contentType" xmlns:ma="http://schemas.microsoft.com/office/2006/metadata/properties/metaAttributes" ct:_="" ma:_="" ma:contentTypeName="Document" ma:contentTypeID="0x0101000113C0587C9F874186C9B425FB10BA48" ma:contentTypeVersion="7" ma:contentTypeDescription="Create a new document." ma:contentTypeScope="" ma:versionID="7ced7e8c1650625d1498c6550966367c">
   <xsd:schema xmlns:xsd="http://www.w3.org/2001/XMLSchema" xmlns:xs="http://www.w3.org/2001/XMLSchema" xmlns:p="http://schemas.microsoft.com/office/2006/metadata/properties" xmlns:ns2="1d6f4c64-016f-4dd2-938b-ad97c78a9044" xmlns:ns3="b0a4f539-48d0-4a69-82f2-fb42d29f3443" targetNamespace="http://schemas.microsoft.com/office/2006/metadata/properties" ma:root="true" ma:fieldsID="849f0b7a0cc1aa889fb45724e52adeb6" ns2:_="" ns3:_="">
     <xsd:import namespace="1d6f4c64-016f-4dd2-938b-ad97c78a9044"/>
@@ -5256,6 +5703,15 @@
 </ct:contentTypeSchema>
 </file>
 
+<file path=customXml/item3.xml><?xml version="1.0" encoding="utf-8"?>
+<?mso-contentType ?>
+<FormTemplates xmlns="http://schemas.microsoft.com/sharepoint/v3/contenttype/forms">
+  <Display>DocumentLibraryForm</Display>
+  <Edit>DocumentLibraryForm</Edit>
+  <New>DocumentLibraryForm</New>
+</FormTemplates>
+</file>
+
 <file path=customXml/itemProps1.xml><?xml version="1.0" encoding="utf-8"?>
 <ds:datastoreItem xmlns:ds="http://schemas.openxmlformats.org/officeDocument/2006/customXml" ds:itemID="{305B2934-E4CD-403C-9D05-A4710B6460D0}">
   <ds:schemaRefs>
@@ -5266,14 +5722,6 @@
 </file>
 
 <file path=customXml/itemProps2.xml><?xml version="1.0" encoding="utf-8"?>
-<ds:datastoreItem xmlns:ds="http://schemas.openxmlformats.org/officeDocument/2006/customXml" ds:itemID="{63193CCD-6AD7-4753-9405-2074E943F663}">
-  <ds:schemaRefs>
-    <ds:schemaRef ds:uri="http://schemas.microsoft.com/sharepoint/v3/contenttype/forms"/>
-  </ds:schemaRefs>
-</ds:datastoreItem>
-</file>
-
-<file path=customXml/itemProps3.xml><?xml version="1.0" encoding="utf-8"?>
 <ds:datastoreItem xmlns:ds="http://schemas.openxmlformats.org/officeDocument/2006/customXml" ds:itemID="{F3C1008C-4156-4727-AEC7-4DDA4B0D0666}">
   <ds:schemaRefs>
     <ds:schemaRef ds:uri="http://schemas.microsoft.com/office/2006/metadata/contentType"/>
@@ -5290,4 +5738,12 @@
     <ds:schemaRef ds:uri="http://schemas.microsoft.com/internal/obd"/>
   </ds:schemaRefs>
 </ds:datastoreItem>
+</file>
+
+<file path=customXml/itemProps3.xml><?xml version="1.0" encoding="utf-8"?>
+<ds:datastoreItem xmlns:ds="http://schemas.openxmlformats.org/officeDocument/2006/customXml" ds:itemID="{63193CCD-6AD7-4753-9405-2074E943F663}">
+  <ds:schemaRefs>
+    <ds:schemaRef ds:uri="http://schemas.microsoft.com/sharepoint/v3/contenttype/forms"/>
+  </ds:schemaRefs>
+</ds:datastoreItem>
 </file>
--- a/Template final assessment - Task 1.pptx
+++ b/Template final assessment - Task 1.pptx
@@ -3824,97 +3824,119 @@
           <a:lstStyle/>
           <a:p>
             <a:r>
-              <a:rPr lang="en-GB" dirty="0"/>
+              <a:rPr lang="en-GB" sz="1800" dirty="0"/>
               <a:t>Show that the robot can move around effectively in both modes of operations</a:t>
             </a:r>
           </a:p>
           <a:p>
             <a:r>
-              <a:rPr lang="en-GB" dirty="0"/>
+              <a:rPr lang="en-GB" sz="1800" dirty="0"/>
               <a:t>Show that you have made use of the LED &amp; Switches</a:t>
             </a:r>
           </a:p>
           <a:p>
             <a:pPr lvl="1"/>
             <a:r>
-              <a:rPr lang="en-GB" u="sng" dirty="0"/>
+              <a:rPr lang="en-GB" sz="1800" u="sng" dirty="0"/>
               <a:t>Red light</a:t>
             </a:r>
             <a:r>
-              <a:rPr lang="en-GB" dirty="0"/>
+              <a:rPr lang="en-GB" sz="1800" dirty="0"/>
               <a:t>: motor stops</a:t>
             </a:r>
           </a:p>
           <a:p>
             <a:pPr lvl="1"/>
             <a:r>
-              <a:rPr lang="en-GB" u="sng" dirty="0"/>
+              <a:rPr lang="en-GB" sz="1800" u="sng" dirty="0"/>
               <a:t>White</a:t>
             </a:r>
             <a:r>
-              <a:rPr lang="en-GB" dirty="0"/>
+              <a:rPr lang="en-GB" sz="1800" dirty="0"/>
               <a:t>: forward</a:t>
             </a:r>
           </a:p>
           <a:p>
             <a:pPr lvl="1"/>
             <a:r>
-              <a:rPr lang="en-GB" u="sng" dirty="0"/>
+              <a:rPr lang="en-GB" sz="1800" u="sng" dirty="0"/>
               <a:t>Blue</a:t>
             </a:r>
             <a:r>
-              <a:rPr lang="en-GB" dirty="0"/>
+              <a:rPr lang="en-GB" sz="1800" dirty="0"/>
               <a:t>: right</a:t>
             </a:r>
           </a:p>
           <a:p>
             <a:pPr lvl="1"/>
             <a:r>
-              <a:rPr lang="en-GB" u="sng" dirty="0"/>
+              <a:rPr lang="en-GB" sz="1800" u="sng" dirty="0"/>
               <a:t>Yellow</a:t>
             </a:r>
             <a:r>
-              <a:rPr lang="en-GB" dirty="0"/>
+              <a:rPr lang="en-GB" sz="1800" dirty="0"/>
               <a:t>: left</a:t>
             </a:r>
           </a:p>
           <a:p>
             <a:pPr lvl="1"/>
             <a:r>
-              <a:rPr lang="en-GB" u="sng" dirty="0"/>
+              <a:rPr lang="en-GB" sz="1800" u="sng" dirty="0"/>
               <a:t>Green</a:t>
             </a:r>
             <a:r>
-              <a:rPr lang="en-GB" dirty="0"/>
+              <a:rPr lang="en-GB" sz="1800" dirty="0"/>
               <a:t>: backward</a:t>
             </a:r>
           </a:p>
           <a:p>
             <a:pPr lvl="1"/>
             <a:r>
-              <a:rPr lang="en-GB" u="sng" dirty="0"/>
+              <a:rPr lang="en-GB" sz="1800" u="sng" dirty="0"/>
               <a:t>Sky Blue</a:t>
             </a:r>
             <a:r>
-              <a:rPr lang="en-GB" dirty="0"/>
+              <a:rPr lang="en-GB" sz="1800" dirty="0"/>
               <a:t>: Auto mode</a:t>
             </a:r>
           </a:p>
           <a:p>
             <a:pPr lvl="1"/>
             <a:r>
-              <a:rPr lang="en-GB" u="sng" dirty="0"/>
+              <a:rPr lang="en-GB" sz="1800" u="sng" dirty="0"/>
               <a:t>Pink</a:t>
             </a:r>
             <a:r>
-              <a:rPr lang="en-GB" dirty="0"/>
+              <a:rPr lang="en-GB" sz="1800" dirty="0"/>
               <a:t>: Free mode</a:t>
             </a:r>
           </a:p>
           <a:p>
             <a:r>
-              <a:rPr lang="en-GB" dirty="0"/>
+              <a:rPr lang="en-GB" sz="1800" dirty="0"/>
               <a:t>Is there nay difference in operation when you robot works in polling mode and interrupt mode?</a:t>
+            </a:r>
+          </a:p>
+          <a:p>
+            <a:pPr lvl="1"/>
+            <a:r>
+              <a:rPr lang="en-GB" sz="1800" dirty="0"/>
+              <a:t>In Interrupt, the motor immediately stops(auto mode) or changes direction(free motion mode) when bump switch is hit</a:t>
+            </a:r>
+          </a:p>
+          <a:p>
+            <a:pPr lvl="1"/>
+            <a:r>
+              <a:rPr lang="en-GB" sz="1800" dirty="0"/>
+              <a:t>In Polling, the motor shows a delay when bump is pressed because the program only checks for the bump after the </a:t>
+            </a:r>
+            <a:r>
+              <a:rPr lang="en-GB" sz="1800" dirty="0" err="1"/>
+              <a:t>prefined</a:t>
+            </a:r>
+            <a:r>
+              <a:rPr lang="en-GB" sz="1800" dirty="0"/>
+              <a:t> loop is finished.</a:t>
             </a:r>
           </a:p>
         </p:txBody>
@@ -4245,6 +4267,13 @@
             <a:r>
               <a:rPr lang="en-GB" dirty="0"/>
               <a:t> function, to wait for user to input select mode.</a:t>
+            </a:r>
+          </a:p>
+          <a:p>
+            <a:pPr lvl="2"/>
+            <a:r>
+              <a:rPr lang="en-GB" dirty="0"/>
+              <a:t>To prevent the user pressing too fast when selecting mode.</a:t>
             </a:r>
           </a:p>
           <a:p>
@@ -5515,12 +5544,6 @@
 </file>
 
 <file path=customXml/item1.xml><?xml version="1.0" encoding="utf-8"?>
-<p:properties xmlns:p="http://schemas.microsoft.com/office/2006/metadata/properties" xmlns:xsi="http://www.w3.org/2001/XMLSchema-instance" xmlns:pc="http://schemas.microsoft.com/office/infopath/2007/PartnerControls">
-  <documentManagement/>
-</p:properties>
-</file>
-
-<file path=customXml/item2.xml><?xml version="1.0" encoding="utf-8"?>
 <ct:contentTypeSchema xmlns:ct="http://schemas.microsoft.com/office/2006/metadata/contentType" xmlns:ma="http://schemas.microsoft.com/office/2006/metadata/properties/metaAttributes" ct:_="" ma:_="" ma:contentTypeName="Document" ma:contentTypeID="0x0101000113C0587C9F874186C9B425FB10BA48" ma:contentTypeVersion="7" ma:contentTypeDescription="Create a new document." ma:contentTypeScope="" ma:versionID="7ced7e8c1650625d1498c6550966367c">
   <xsd:schema xmlns:xsd="http://www.w3.org/2001/XMLSchema" xmlns:xs="http://www.w3.org/2001/XMLSchema" xmlns:p="http://schemas.microsoft.com/office/2006/metadata/properties" xmlns:ns2="1d6f4c64-016f-4dd2-938b-ad97c78a9044" xmlns:ns3="b0a4f539-48d0-4a69-82f2-fb42d29f3443" targetNamespace="http://schemas.microsoft.com/office/2006/metadata/properties" ma:root="true" ma:fieldsID="849f0b7a0cc1aa889fb45724e52adeb6" ns2:_="" ns3:_="">
     <xsd:import namespace="1d6f4c64-016f-4dd2-938b-ad97c78a9044"/>
@@ -5703,6 +5726,12 @@
 </ct:contentTypeSchema>
 </file>
 
+<file path=customXml/item2.xml><?xml version="1.0" encoding="utf-8"?>
+<p:properties xmlns:p="http://schemas.microsoft.com/office/2006/metadata/properties" xmlns:xsi="http://www.w3.org/2001/XMLSchema-instance" xmlns:pc="http://schemas.microsoft.com/office/infopath/2007/PartnerControls">
+  <documentManagement/>
+</p:properties>
+</file>
+
 <file path=customXml/item3.xml><?xml version="1.0" encoding="utf-8"?>
 <?mso-contentType ?>
 <FormTemplates xmlns="http://schemas.microsoft.com/sharepoint/v3/contenttype/forms">
@@ -5713,15 +5742,6 @@
 </file>
 
 <file path=customXml/itemProps1.xml><?xml version="1.0" encoding="utf-8"?>
-<ds:datastoreItem xmlns:ds="http://schemas.openxmlformats.org/officeDocument/2006/customXml" ds:itemID="{305B2934-E4CD-403C-9D05-A4710B6460D0}">
-  <ds:schemaRefs>
-    <ds:schemaRef ds:uri="http://schemas.microsoft.com/office/2006/metadata/properties"/>
-    <ds:schemaRef ds:uri="http://schemas.microsoft.com/office/infopath/2007/PartnerControls"/>
-  </ds:schemaRefs>
-</ds:datastoreItem>
-</file>
-
-<file path=customXml/itemProps2.xml><?xml version="1.0" encoding="utf-8"?>
 <ds:datastoreItem xmlns:ds="http://schemas.openxmlformats.org/officeDocument/2006/customXml" ds:itemID="{F3C1008C-4156-4727-AEC7-4DDA4B0D0666}">
   <ds:schemaRefs>
     <ds:schemaRef ds:uri="http://schemas.microsoft.com/office/2006/metadata/contentType"/>
@@ -5740,6 +5760,15 @@
 </ds:datastoreItem>
 </file>
 
+<file path=customXml/itemProps2.xml><?xml version="1.0" encoding="utf-8"?>
+<ds:datastoreItem xmlns:ds="http://schemas.openxmlformats.org/officeDocument/2006/customXml" ds:itemID="{305B2934-E4CD-403C-9D05-A4710B6460D0}">
+  <ds:schemaRefs>
+    <ds:schemaRef ds:uri="http://schemas.microsoft.com/office/2006/metadata/properties"/>
+    <ds:schemaRef ds:uri="http://schemas.microsoft.com/office/infopath/2007/PartnerControls"/>
+  </ds:schemaRefs>
+</ds:datastoreItem>
+</file>
+
 <file path=customXml/itemProps3.xml><?xml version="1.0" encoding="utf-8"?>
 <ds:datastoreItem xmlns:ds="http://schemas.openxmlformats.org/officeDocument/2006/customXml" ds:itemID="{63193CCD-6AD7-4753-9405-2074E943F663}">
   <ds:schemaRefs>

--- a/Template final assessment - Task 1.pptx
+++ b/Template final assessment - Task 1.pptx
@@ -1,26 +1,29 @@
 
 <file path=ppt/presentation.xml><?xml version="1.0" encoding="utf-8"?>
-<p:presentation xmlns:a="http://schemas.openxmlformats.org/drawingml/2006/main" xmlns:r="http://schemas.openxmlformats.org/officeDocument/2006/relationships" xmlns:p="http://schemas.openxmlformats.org/presentationml/2006/main" saveSubsetFonts="1" autoCompressPictures="0">
+<p:presentation xmlns:a="http://schemas.openxmlformats.org/drawingml/2006/main" xmlns:r="http://schemas.openxmlformats.org/officeDocument/2006/relationships" xmlns:p="http://schemas.openxmlformats.org/presentationml/2006/main" autoCompressPictures="0">
   <p:sldMasterIdLst>
-    <p:sldMasterId id="2147483648" r:id="rId4"/>
+    <p:sldMasterId id="2147483648" r:id="rId1"/>
   </p:sldMasterIdLst>
   <p:notesMasterIdLst>
-    <p:notesMasterId r:id="rId12"/>
+    <p:notesMasterId r:id="rId4"/>
   </p:notesMasterIdLst>
   <p:handoutMasterIdLst>
-    <p:handoutMasterId r:id="rId13"/>
+    <p:handoutMasterId r:id="rId11"/>
   </p:handoutMasterIdLst>
   <p:sldIdLst>
-    <p:sldId id="257" r:id="rId5"/>
-    <p:sldId id="262" r:id="rId6"/>
-    <p:sldId id="259" r:id="rId7"/>
-    <p:sldId id="263" r:id="rId8"/>
-    <p:sldId id="264" r:id="rId9"/>
-    <p:sldId id="266" r:id="rId10"/>
-    <p:sldId id="267" r:id="rId11"/>
+    <p:sldId id="257" r:id="rId3"/>
+    <p:sldId id="259" r:id="rId5"/>
+    <p:sldId id="268" r:id="rId6"/>
+    <p:sldId id="263" r:id="rId7"/>
+    <p:sldId id="264" r:id="rId8"/>
+    <p:sldId id="266" r:id="rId9"/>
+    <p:sldId id="267" r:id="rId10"/>
   </p:sldIdLst>
   <p:sldSz cx="9144000" cy="6858000" type="screen4x3"/>
   <p:notesSz cx="6858000" cy="9144000"/>
+  <p:custDataLst>
+    <p:tags r:id="rId15"/>
+  </p:custDataLst>
   <p:defaultTextStyle>
     <a:defPPr>
       <a:defRPr lang="en-US"/>
@@ -146,36 +149,6 @@
       </a:defRPr>
     </a:lvl9pPr>
   </p:defaultTextStyle>
-  <p:extLst>
-    <p:ext uri="{EFAFB233-063F-42B5-8137-9DF3F51BA10A}">
-      <p15:sldGuideLst xmlns:p15="http://schemas.microsoft.com/office/powerpoint/2012/main">
-        <p15:guide id="1" orient="horz" pos="2160" userDrawn="1">
-          <p15:clr>
-            <a:srgbClr val="A4A3A4"/>
-          </p15:clr>
-        </p15:guide>
-        <p15:guide id="2" pos="2880" userDrawn="1">
-          <p15:clr>
-            <a:srgbClr val="A4A3A4"/>
-          </p15:clr>
-        </p15:guide>
-      </p15:sldGuideLst>
-    </p:ext>
-    <p:ext uri="{2D200454-40CA-4A62-9FC3-DE9A4176ACB9}">
-      <p15:notesGuideLst xmlns:p15="http://schemas.microsoft.com/office/powerpoint/2012/main">
-        <p15:guide id="1" orient="horz" pos="2880">
-          <p15:clr>
-            <a:srgbClr val="A4A3A4"/>
-          </p15:clr>
-        </p15:guide>
-        <p15:guide id="2" pos="2160">
-          <p15:clr>
-            <a:srgbClr val="A4A3A4"/>
-          </p15:clr>
-        </p15:guide>
-      </p15:notesGuideLst>
-    </p:ext>
-  </p:extLst>
 </p:presentation>
 </file>
 
@@ -288,10 +261,6 @@
             </a:pPr>
             <a:fld id="{EAAB92E4-AE0E-4597-BFB8-C8B4DD9C18B0}" type="datetimeFigureOut">
               <a:rPr lang="en-GB"/>
-              <a:pPr>
-                <a:defRPr/>
-              </a:pPr>
-              <a:t>25/11/2022</a:t>
             </a:fld>
             <a:endParaRPr lang="en-GB" dirty="0"/>
           </a:p>
@@ -360,11 +329,7 @@
           </a:prstGeom>
         </p:spPr>
         <p:txBody>
-          <a:bodyPr vert="horz" wrap="square" lIns="91440" tIns="45720" rIns="91440" bIns="45720" numCol="1" anchor="b" anchorCtr="0" compatLnSpc="1">
-            <a:prstTxWarp prst="textNoShape">
-              <a:avLst/>
-            </a:prstTxWarp>
-          </a:bodyPr>
+          <a:bodyPr vert="horz" wrap="square" lIns="91440" tIns="45720" rIns="91440" bIns="45720" numCol="1" anchor="b" anchorCtr="0" compatLnSpc="1"/>
           <a:lstStyle>
             <a:lvl1pPr algn="r" eaLnBrk="1" hangingPunct="1">
               <a:defRPr sz="1200">
@@ -378,21 +343,12 @@
             </a:pPr>
             <a:fld id="{6A1824A3-7152-4960-BF69-64A3C2461F1F}" type="slidenum">
               <a:rPr lang="en-GB" altLang="en-US"/>
-              <a:pPr>
-                <a:defRPr/>
-              </a:pPr>
-              <a:t>‹#›</a:t>
             </a:fld>
             <a:endParaRPr lang="en-GB" altLang="en-US" dirty="0"/>
           </a:p>
         </p:txBody>
       </p:sp>
     </p:spTree>
-    <p:extLst>
-      <p:ext uri="{BB962C8B-B14F-4D97-AF65-F5344CB8AC3E}">
-        <p14:creationId xmlns:p14="http://schemas.microsoft.com/office/powerpoint/2010/main" val="982570678"/>
-      </p:ext>
-    </p:extLst>
   </p:cSld>
   <p:clrMap bg1="lt1" tx1="dk1" bg2="lt2" tx2="dk2" accent1="accent1" accent2="accent2" accent3="accent3" accent4="accent4" accent5="accent5" accent6="accent6" hlink="hlink" folHlink="folHlink"/>
 </p:handoutMaster>
@@ -507,10 +463,6 @@
             </a:pPr>
             <a:fld id="{95C6A448-BE2F-4781-B00A-6CC78EDADA74}" type="datetimeFigureOut">
               <a:rPr lang="en-GB"/>
-              <a:pPr>
-                <a:defRPr/>
-              </a:pPr>
-              <a:t>25/11/2022</a:t>
             </a:fld>
             <a:endParaRPr lang="en-GB" dirty="0"/>
           </a:p>
@@ -580,6 +532,7 @@
               <a:rPr lang="en-US" noProof="0"/>
               <a:t>Click to edit Master text styles</a:t>
             </a:r>
+            <a:endParaRPr lang="en-US" noProof="0"/>
           </a:p>
           <a:p>
             <a:pPr lvl="1"/>
@@ -587,6 +540,7 @@
               <a:rPr lang="en-US" noProof="0"/>
               <a:t>Second level</a:t>
             </a:r>
+            <a:endParaRPr lang="en-US" noProof="0"/>
           </a:p>
           <a:p>
             <a:pPr lvl="2"/>
@@ -594,6 +548,7 @@
               <a:rPr lang="en-US" noProof="0"/>
               <a:t>Third level</a:t>
             </a:r>
+            <a:endParaRPr lang="en-US" noProof="0"/>
           </a:p>
           <a:p>
             <a:pPr lvl="3"/>
@@ -601,6 +556,7 @@
               <a:rPr lang="en-US" noProof="0"/>
               <a:t>Fourth level</a:t>
             </a:r>
+            <a:endParaRPr lang="en-US" noProof="0"/>
           </a:p>
           <a:p>
             <a:pPr lvl="4"/>
@@ -675,11 +631,7 @@
           </a:prstGeom>
         </p:spPr>
         <p:txBody>
-          <a:bodyPr vert="horz" wrap="square" lIns="91440" tIns="45720" rIns="91440" bIns="45720" numCol="1" anchor="b" anchorCtr="0" compatLnSpc="1">
-            <a:prstTxWarp prst="textNoShape">
-              <a:avLst/>
-            </a:prstTxWarp>
-          </a:bodyPr>
+          <a:bodyPr vert="horz" wrap="square" lIns="91440" tIns="45720" rIns="91440" bIns="45720" numCol="1" anchor="b" anchorCtr="0" compatLnSpc="1"/>
           <a:lstStyle>
             <a:lvl1pPr algn="r" eaLnBrk="1" hangingPunct="1">
               <a:defRPr sz="1200">
@@ -693,21 +645,12 @@
             </a:pPr>
             <a:fld id="{A5A7925E-1572-43E0-9C43-F892C4797A1A}" type="slidenum">
               <a:rPr lang="en-GB" altLang="en-US"/>
-              <a:pPr>
-                <a:defRPr/>
-              </a:pPr>
-              <a:t>‹#›</a:t>
             </a:fld>
             <a:endParaRPr lang="en-GB" altLang="en-US" dirty="0"/>
           </a:p>
         </p:txBody>
       </p:sp>
     </p:spTree>
-    <p:extLst>
-      <p:ext uri="{BB962C8B-B14F-4D97-AF65-F5344CB8AC3E}">
-        <p14:creationId xmlns:p14="http://schemas.microsoft.com/office/powerpoint/2010/main" val="425129690"/>
-      </p:ext>
-    </p:extLst>
   </p:cSld>
   <p:clrMap bg1="lt1" tx1="dk1" bg2="lt2" tx2="dk2" accent1="accent1" accent2="accent2" accent3="accent3" accent4="accent4" accent5="accent5" accent6="accent6" hlink="hlink" folHlink="folHlink"/>
   <p:notesStyle>
@@ -908,21 +851,12 @@
             </a:pPr>
             <a:fld id="{A5A7925E-1572-43E0-9C43-F892C4797A1A}" type="slidenum">
               <a:rPr lang="en-GB" altLang="en-US" smtClean="0"/>
-              <a:pPr>
-                <a:defRPr/>
-              </a:pPr>
-              <a:t>1</a:t>
             </a:fld>
             <a:endParaRPr lang="en-GB" altLang="en-US" dirty="0"/>
           </a:p>
         </p:txBody>
       </p:sp>
     </p:spTree>
-    <p:extLst>
-      <p:ext uri="{BB962C8B-B14F-4D97-AF65-F5344CB8AC3E}">
-        <p14:creationId xmlns:p14="http://schemas.microsoft.com/office/powerpoint/2010/main" val="1911966650"/>
-      </p:ext>
-    </p:extLst>
   </p:cSld>
   <p:clrMapOvr>
     <a:masterClrMapping/>
@@ -998,21 +932,12 @@
             </a:pPr>
             <a:fld id="{A5A7925E-1572-43E0-9C43-F892C4797A1A}" type="slidenum">
               <a:rPr lang="en-GB" altLang="en-US" smtClean="0"/>
-              <a:pPr>
-                <a:defRPr/>
-              </a:pPr>
-              <a:t>3</a:t>
             </a:fld>
             <a:endParaRPr lang="en-GB" altLang="en-US" dirty="0"/>
           </a:p>
         </p:txBody>
       </p:sp>
     </p:spTree>
-    <p:extLst>
-      <p:ext uri="{BB962C8B-B14F-4D97-AF65-F5344CB8AC3E}">
-        <p14:creationId xmlns:p14="http://schemas.microsoft.com/office/powerpoint/2010/main" val="3776165607"/>
-      </p:ext>
-    </p:extLst>
   </p:cSld>
   <p:clrMapOvr>
     <a:masterClrMapping/>
@@ -1088,21 +1013,93 @@
             </a:pPr>
             <a:fld id="{A5A7925E-1572-43E0-9C43-F892C4797A1A}" type="slidenum">
               <a:rPr lang="en-GB" altLang="en-US" smtClean="0"/>
-              <a:pPr>
-                <a:defRPr/>
-              </a:pPr>
-              <a:t>7</a:t>
             </a:fld>
             <a:endParaRPr lang="en-GB" altLang="en-US" dirty="0"/>
           </a:p>
         </p:txBody>
       </p:sp>
     </p:spTree>
-    <p:extLst>
-      <p:ext uri="{BB962C8B-B14F-4D97-AF65-F5344CB8AC3E}">
-        <p14:creationId xmlns:p14="http://schemas.microsoft.com/office/powerpoint/2010/main" val="3795815057"/>
-      </p:ext>
-    </p:extLst>
+  </p:cSld>
+  <p:clrMapOvr>
+    <a:masterClrMapping/>
+  </p:clrMapOvr>
+</p:notes>
+</file>
+
+<file path=ppt/notesSlides/notesSlide4.xml><?xml version="1.0" encoding="utf-8"?>
+<p:notes xmlns:a="http://schemas.openxmlformats.org/drawingml/2006/main" xmlns:r="http://schemas.openxmlformats.org/officeDocument/2006/relationships" xmlns:p="http://schemas.openxmlformats.org/presentationml/2006/main">
+  <p:cSld>
+    <p:spTree>
+      <p:nvGrpSpPr>
+        <p:cNvPr id="1" name=""/>
+        <p:cNvGrpSpPr/>
+        <p:nvPr/>
+      </p:nvGrpSpPr>
+      <p:grpSpPr>
+        <a:xfrm>
+          <a:off x="0" y="0"/>
+          <a:ext cx="0" cy="0"/>
+          <a:chOff x="0" y="0"/>
+          <a:chExt cx="0" cy="0"/>
+        </a:xfrm>
+      </p:grpSpPr>
+      <p:sp>
+        <p:nvSpPr>
+          <p:cNvPr id="2" name="Slide Image Placeholder 1"/>
+          <p:cNvSpPr>
+            <a:spLocks noGrp="1" noRot="1" noChangeAspect="1"/>
+          </p:cNvSpPr>
+          <p:nvPr>
+            <p:ph type="sldImg"/>
+          </p:nvPr>
+        </p:nvSpPr>
+        <p:spPr/>
+      </p:sp>
+      <p:sp>
+        <p:nvSpPr>
+          <p:cNvPr id="3" name="Notes Placeholder 2"/>
+          <p:cNvSpPr>
+            <a:spLocks noGrp="1"/>
+          </p:cNvSpPr>
+          <p:nvPr>
+            <p:ph type="body" idx="1"/>
+          </p:nvPr>
+        </p:nvSpPr>
+        <p:spPr/>
+        <p:txBody>
+          <a:bodyPr/>
+          <a:lstStyle/>
+          <a:p>
+            <a:endParaRPr lang="en-GB" dirty="0"/>
+          </a:p>
+        </p:txBody>
+      </p:sp>
+      <p:sp>
+        <p:nvSpPr>
+          <p:cNvPr id="4" name="Slide Number Placeholder 3"/>
+          <p:cNvSpPr>
+            <a:spLocks noGrp="1"/>
+          </p:cNvSpPr>
+          <p:nvPr>
+            <p:ph type="sldNum" sz="quarter" idx="5"/>
+          </p:nvPr>
+        </p:nvSpPr>
+        <p:spPr/>
+        <p:txBody>
+          <a:bodyPr/>
+          <a:lstStyle/>
+          <a:p>
+            <a:pPr>
+              <a:defRPr/>
+            </a:pPr>
+            <a:fld id="{A5A7925E-1572-43E0-9C43-F892C4797A1A}" type="slidenum">
+              <a:rPr lang="en-GB" altLang="en-US" smtClean="0"/>
+            </a:fld>
+            <a:endParaRPr lang="en-GB" altLang="en-US" dirty="0"/>
+          </a:p>
+        </p:txBody>
+      </p:sp>
+    </p:spTree>
   </p:cSld>
   <p:clrMapOvr>
     <a:masterClrMapping/>
@@ -1153,8 +1150,8 @@
                 <a:solidFill>
                   <a:srgbClr val="9A1D2B"/>
                 </a:solidFill>
-                <a:latin typeface="Arial" pitchFamily="34" charset="0"/>
-                <a:cs typeface="Arial" pitchFamily="34" charset="0"/>
+                <a:latin typeface="Arial" panose="020B0604020202020204" pitchFamily="34" charset="0"/>
+                <a:cs typeface="Arial" panose="020B0604020202020204" pitchFamily="34" charset="0"/>
               </a:defRPr>
             </a:lvl1pPr>
           </a:lstStyle>
@@ -1308,10 +1305,6 @@
             </a:pPr>
             <a:fld id="{1C73FE86-2911-439B-A5AC-792EFE0EE0EB}" type="slidenum">
               <a:rPr lang="en-GB" altLang="en-US"/>
-              <a:pPr>
-                <a:defRPr/>
-              </a:pPr>
-              <a:t>‹#›</a:t>
             </a:fld>
             <a:endParaRPr lang="en-GB" altLang="en-US" dirty="0"/>
           </a:p>
@@ -1341,21 +1334,12 @@
             </a:pPr>
             <a:fld id="{AB909FDE-9F2A-429B-AAFD-0AB058EA8223}" type="datetime4">
               <a:rPr lang="en-GB"/>
-              <a:pPr>
-                <a:defRPr/>
-              </a:pPr>
-              <a:t>25 November 2022</a:t>
             </a:fld>
             <a:endParaRPr lang="en-GB" dirty="0"/>
           </a:p>
         </p:txBody>
       </p:sp>
     </p:spTree>
-    <p:extLst>
-      <p:ext uri="{BB962C8B-B14F-4D97-AF65-F5344CB8AC3E}">
-        <p14:creationId xmlns:p14="http://schemas.microsoft.com/office/powerpoint/2010/main" val="4129487013"/>
-      </p:ext>
-    </p:extLst>
   </p:cSld>
   <p:clrMapOvr>
     <a:masterClrMapping/>
@@ -1406,8 +1390,8 @@
                 <a:solidFill>
                   <a:srgbClr val="9A1D2B"/>
                 </a:solidFill>
-                <a:latin typeface="Arial" pitchFamily="34" charset="0"/>
-                <a:cs typeface="Arial" pitchFamily="34" charset="0"/>
+                <a:latin typeface="Arial" panose="020B0604020202020204" pitchFamily="34" charset="0"/>
+                <a:cs typeface="Arial" panose="020B0604020202020204" pitchFamily="34" charset="0"/>
               </a:defRPr>
             </a:lvl1pPr>
           </a:lstStyle>
@@ -1440,7 +1424,7 @@
           <a:bodyPr/>
           <a:lstStyle>
             <a:lvl5pPr>
-              <a:buFont typeface="Arial" pitchFamily="34" charset="0"/>
+              <a:buFont typeface="Arial" panose="020B0604020202020204" pitchFamily="34" charset="0"/>
               <a:buChar char="­"/>
               <a:defRPr/>
             </a:lvl5pPr>
@@ -1451,6 +1435,7 @@
               <a:rPr lang="en-US" dirty="0"/>
               <a:t>Click to edit Master text styles</a:t>
             </a:r>
+            <a:endParaRPr lang="en-US" dirty="0"/>
           </a:p>
           <a:p>
             <a:pPr lvl="1"/>
@@ -1458,6 +1443,7 @@
               <a:rPr lang="en-US" dirty="0"/>
               <a:t>Second level</a:t>
             </a:r>
+            <a:endParaRPr lang="en-US" dirty="0"/>
           </a:p>
           <a:p>
             <a:pPr lvl="2"/>
@@ -1465,6 +1451,7 @@
               <a:rPr lang="en-US" dirty="0"/>
               <a:t>Third level</a:t>
             </a:r>
+            <a:endParaRPr lang="en-US" dirty="0"/>
           </a:p>
           <a:p>
             <a:pPr lvl="3"/>
@@ -1472,6 +1459,7 @@
               <a:rPr lang="en-US" dirty="0"/>
               <a:t>Fourth level</a:t>
             </a:r>
+            <a:endParaRPr lang="en-US" dirty="0"/>
           </a:p>
           <a:p>
             <a:pPr lvl="4"/>
@@ -1507,10 +1495,6 @@
             </a:pPr>
             <a:fld id="{C9421E46-382C-4EE9-B45B-87761AE2BCD5}" type="slidenum">
               <a:rPr lang="en-GB" altLang="en-US"/>
-              <a:pPr>
-                <a:defRPr/>
-              </a:pPr>
-              <a:t>‹#›</a:t>
             </a:fld>
             <a:endParaRPr lang="en-GB" altLang="en-US" dirty="0"/>
           </a:p>
@@ -1540,21 +1524,12 @@
             </a:pPr>
             <a:fld id="{7EABAC35-51C5-4AC7-9255-2D72D8BB8FCD}" type="datetime4">
               <a:rPr lang="en-GB"/>
-              <a:pPr>
-                <a:defRPr/>
-              </a:pPr>
-              <a:t>25 November 2022</a:t>
             </a:fld>
             <a:endParaRPr lang="en-GB" dirty="0"/>
           </a:p>
         </p:txBody>
       </p:sp>
     </p:spTree>
-    <p:extLst>
-      <p:ext uri="{BB962C8B-B14F-4D97-AF65-F5344CB8AC3E}">
-        <p14:creationId xmlns:p14="http://schemas.microsoft.com/office/powerpoint/2010/main" val="3930068713"/>
-      </p:ext>
-    </p:extLst>
   </p:cSld>
   <p:clrMapOvr>
     <a:masterClrMapping/>
@@ -1599,7 +1574,7 @@
           <a:bodyPr/>
           <a:lstStyle>
             <a:lvl5pPr>
-              <a:buFont typeface="Arial" pitchFamily="34" charset="0"/>
+              <a:buFont typeface="Arial" panose="020B0604020202020204" pitchFamily="34" charset="0"/>
               <a:buChar char="­"/>
               <a:defRPr/>
             </a:lvl5pPr>
@@ -1610,6 +1585,7 @@
               <a:rPr lang="en-US" dirty="0"/>
               <a:t>Click to edit Master text styles</a:t>
             </a:r>
+            <a:endParaRPr lang="en-US" dirty="0"/>
           </a:p>
           <a:p>
             <a:pPr lvl="1"/>
@@ -1617,6 +1593,7 @@
               <a:rPr lang="en-US" dirty="0"/>
               <a:t>Second level</a:t>
             </a:r>
+            <a:endParaRPr lang="en-US" dirty="0"/>
           </a:p>
           <a:p>
             <a:pPr lvl="2"/>
@@ -1624,6 +1601,7 @@
               <a:rPr lang="en-US" dirty="0"/>
               <a:t>Third level</a:t>
             </a:r>
+            <a:endParaRPr lang="en-US" dirty="0"/>
           </a:p>
           <a:p>
             <a:pPr lvl="3"/>
@@ -1631,6 +1609,7 @@
               <a:rPr lang="en-US" dirty="0"/>
               <a:t>Fourth level</a:t>
             </a:r>
+            <a:endParaRPr lang="en-US" dirty="0"/>
           </a:p>
           <a:p>
             <a:pPr lvl="4"/>
@@ -1666,10 +1645,6 @@
             </a:pPr>
             <a:fld id="{93DFB354-A0F7-45FE-A04A-0A4B4256AFDE}" type="slidenum">
               <a:rPr lang="en-GB" altLang="en-US"/>
-              <a:pPr>
-                <a:defRPr/>
-              </a:pPr>
-              <a:t>‹#›</a:t>
             </a:fld>
             <a:endParaRPr lang="en-GB" altLang="en-US" dirty="0"/>
           </a:p>
@@ -1699,21 +1674,12 @@
             </a:pPr>
             <a:fld id="{745C18A2-309E-4E56-AB53-B689DEE00286}" type="datetime4">
               <a:rPr lang="en-GB"/>
-              <a:pPr>
-                <a:defRPr/>
-              </a:pPr>
-              <a:t>25 November 2022</a:t>
             </a:fld>
             <a:endParaRPr lang="en-GB" dirty="0"/>
           </a:p>
         </p:txBody>
       </p:sp>
     </p:spTree>
-    <p:extLst>
-      <p:ext uri="{BB962C8B-B14F-4D97-AF65-F5344CB8AC3E}">
-        <p14:creationId xmlns:p14="http://schemas.microsoft.com/office/powerpoint/2010/main" val="1749609764"/>
-      </p:ext>
-    </p:extLst>
   </p:cSld>
   <p:clrMapOvr>
     <a:masterClrMapping/>
@@ -1791,6 +1757,7 @@
               <a:rPr lang="en-US" dirty="0"/>
               <a:t>Click to edit Master text styles</a:t>
             </a:r>
+            <a:endParaRPr lang="en-US" dirty="0"/>
           </a:p>
           <a:p>
             <a:pPr lvl="1"/>
@@ -1798,6 +1765,7 @@
               <a:rPr lang="en-US" dirty="0"/>
               <a:t>Second level</a:t>
             </a:r>
+            <a:endParaRPr lang="en-US" dirty="0"/>
           </a:p>
           <a:p>
             <a:pPr lvl="2"/>
@@ -1805,6 +1773,7 @@
               <a:rPr lang="en-US" dirty="0"/>
               <a:t>Third level</a:t>
             </a:r>
+            <a:endParaRPr lang="en-US" dirty="0"/>
           </a:p>
           <a:p>
             <a:pPr lvl="3"/>
@@ -1812,6 +1781,7 @@
               <a:rPr lang="en-US" dirty="0"/>
               <a:t>Fourth level</a:t>
             </a:r>
+            <a:endParaRPr lang="en-US" dirty="0"/>
           </a:p>
           <a:p>
             <a:pPr lvl="4"/>
@@ -1876,6 +1846,7 @@
               <a:rPr lang="en-US"/>
               <a:t>Click to edit Master text styles</a:t>
             </a:r>
+            <a:endParaRPr lang="en-US"/>
           </a:p>
           <a:p>
             <a:pPr lvl="1"/>
@@ -1883,6 +1854,7 @@
               <a:rPr lang="en-US"/>
               <a:t>Second level</a:t>
             </a:r>
+            <a:endParaRPr lang="en-US"/>
           </a:p>
           <a:p>
             <a:pPr lvl="2"/>
@@ -1890,6 +1862,7 @@
               <a:rPr lang="en-US"/>
               <a:t>Third level</a:t>
             </a:r>
+            <a:endParaRPr lang="en-US"/>
           </a:p>
           <a:p>
             <a:pPr lvl="3"/>
@@ -1897,6 +1870,7 @@
               <a:rPr lang="en-US"/>
               <a:t>Fourth level</a:t>
             </a:r>
+            <a:endParaRPr lang="en-US"/>
           </a:p>
           <a:p>
             <a:pPr lvl="4"/>
@@ -1932,10 +1906,6 @@
             </a:pPr>
             <a:fld id="{84B9CF61-6AA0-49F5-AD67-4377519505D1}" type="slidenum">
               <a:rPr lang="en-GB" altLang="en-US"/>
-              <a:pPr>
-                <a:defRPr/>
-              </a:pPr>
-              <a:t>‹#›</a:t>
             </a:fld>
             <a:endParaRPr lang="en-GB" altLang="en-US" dirty="0"/>
           </a:p>
@@ -1965,21 +1935,12 @@
             </a:pPr>
             <a:fld id="{7B7A8844-33D4-42E8-90B8-B6C8F45C9B89}" type="datetime4">
               <a:rPr lang="en-GB"/>
-              <a:pPr>
-                <a:defRPr/>
-              </a:pPr>
-              <a:t>25 November 2022</a:t>
             </a:fld>
             <a:endParaRPr lang="en-GB" dirty="0"/>
           </a:p>
         </p:txBody>
       </p:sp>
     </p:spTree>
-    <p:extLst>
-      <p:ext uri="{BB962C8B-B14F-4D97-AF65-F5344CB8AC3E}">
-        <p14:creationId xmlns:p14="http://schemas.microsoft.com/office/powerpoint/2010/main" val="3151390849"/>
-      </p:ext>
-    </p:extLst>
   </p:cSld>
   <p:clrMapOvr>
     <a:masterClrMapping/>
@@ -2130,6 +2091,7 @@
               <a:rPr lang="en-US"/>
               <a:t>Click to edit Master text styles</a:t>
             </a:r>
+            <a:endParaRPr lang="en-US"/>
           </a:p>
         </p:txBody>
       </p:sp>
@@ -2157,10 +2119,6 @@
             </a:pPr>
             <a:fld id="{992F2CF2-0DB4-47C0-9F5A-241209E8FF64}" type="slidenum">
               <a:rPr lang="en-GB" altLang="en-US"/>
-              <a:pPr>
-                <a:defRPr/>
-              </a:pPr>
-              <a:t>‹#›</a:t>
             </a:fld>
             <a:endParaRPr lang="en-GB" altLang="en-US" dirty="0"/>
           </a:p>
@@ -2190,21 +2148,12 @@
             </a:pPr>
             <a:fld id="{2A1448C4-10E2-4B06-BC79-9ADA48DA9432}" type="datetime4">
               <a:rPr lang="en-GB"/>
-              <a:pPr>
-                <a:defRPr/>
-              </a:pPr>
-              <a:t>25 November 2022</a:t>
             </a:fld>
             <a:endParaRPr lang="en-GB" dirty="0"/>
           </a:p>
         </p:txBody>
       </p:sp>
     </p:spTree>
-    <p:extLst>
-      <p:ext uri="{BB962C8B-B14F-4D97-AF65-F5344CB8AC3E}">
-        <p14:creationId xmlns:p14="http://schemas.microsoft.com/office/powerpoint/2010/main" val="2447315568"/>
-      </p:ext>
-    </p:extLst>
   </p:cSld>
   <p:clrMapOvr>
     <a:masterClrMapping/>
@@ -2253,10 +2202,6 @@
             </a:pPr>
             <a:fld id="{2B5114AE-CEE6-464F-A526-44811AD86549}" type="slidenum">
               <a:rPr lang="en-GB" altLang="en-US"/>
-              <a:pPr>
-                <a:defRPr/>
-              </a:pPr>
-              <a:t>‹#›</a:t>
             </a:fld>
             <a:endParaRPr lang="en-GB" altLang="en-US" dirty="0"/>
           </a:p>
@@ -2286,21 +2231,12 @@
             </a:pPr>
             <a:fld id="{BBB5744F-A25B-48EC-AAD4-297BC106F936}" type="datetime4">
               <a:rPr lang="en-GB"/>
-              <a:pPr>
-                <a:defRPr/>
-              </a:pPr>
-              <a:t>25 November 2022</a:t>
             </a:fld>
             <a:endParaRPr lang="en-GB" dirty="0"/>
           </a:p>
         </p:txBody>
       </p:sp>
     </p:spTree>
-    <p:extLst>
-      <p:ext uri="{BB962C8B-B14F-4D97-AF65-F5344CB8AC3E}">
-        <p14:creationId xmlns:p14="http://schemas.microsoft.com/office/powerpoint/2010/main" val="870099232"/>
-      </p:ext>
-    </p:extLst>
   </p:cSld>
   <p:clrMapOvr>
     <a:masterClrMapping/>
@@ -2376,11 +2312,7 @@
           </a:extLst>
         </p:spPr>
         <p:txBody>
-          <a:bodyPr vert="horz" wrap="square" lIns="91440" tIns="45720" rIns="91440" bIns="45720" numCol="1" anchor="ctr" anchorCtr="0" compatLnSpc="1">
-            <a:prstTxWarp prst="textNoShape">
-              <a:avLst/>
-            </a:prstTxWarp>
-          </a:bodyPr>
+          <a:bodyPr vert="horz" wrap="square" lIns="91440" tIns="45720" rIns="91440" bIns="45720" numCol="1" anchor="ctr" anchorCtr="0" compatLnSpc="1"/>
           <a:lstStyle/>
           <a:p>
             <a:pPr lvl="0"/>
@@ -2435,11 +2367,7 @@
           </a:extLst>
         </p:spPr>
         <p:txBody>
-          <a:bodyPr vert="horz" wrap="square" lIns="91440" tIns="45720" rIns="91440" bIns="45720" numCol="1" anchor="t" anchorCtr="0" compatLnSpc="1">
-            <a:prstTxWarp prst="textNoShape">
-              <a:avLst/>
-            </a:prstTxWarp>
-          </a:bodyPr>
+          <a:bodyPr vert="horz" wrap="square" lIns="91440" tIns="45720" rIns="91440" bIns="45720" numCol="1" anchor="t" anchorCtr="0" compatLnSpc="1"/>
           <a:lstStyle/>
           <a:p>
             <a:pPr lvl="0"/>
@@ -2447,6 +2375,7 @@
               <a:rPr lang="en-US" altLang="en-US"/>
               <a:t>Click to edit Master text styles</a:t>
             </a:r>
+            <a:endParaRPr lang="en-US" altLang="en-US"/>
           </a:p>
           <a:p>
             <a:pPr lvl="1"/>
@@ -2454,6 +2383,7 @@
               <a:rPr lang="en-US" altLang="en-US"/>
               <a:t>Second level</a:t>
             </a:r>
+            <a:endParaRPr lang="en-US" altLang="en-US"/>
           </a:p>
           <a:p>
             <a:pPr lvl="2"/>
@@ -2461,6 +2391,7 @@
               <a:rPr lang="en-US" altLang="en-US"/>
               <a:t>Third level</a:t>
             </a:r>
+            <a:endParaRPr lang="en-US" altLang="en-US"/>
           </a:p>
           <a:p>
             <a:pPr lvl="3"/>
@@ -2468,6 +2399,7 @@
               <a:rPr lang="en-US" altLang="en-US"/>
               <a:t>Fourth level</a:t>
             </a:r>
+            <a:endParaRPr lang="en-US" altLang="en-US"/>
           </a:p>
           <a:p>
             <a:pPr lvl="4"/>
@@ -2575,11 +2507,7 @@
           </a:prstGeom>
         </p:spPr>
         <p:txBody>
-          <a:bodyPr vert="horz" wrap="square" lIns="91440" tIns="45720" rIns="91440" bIns="45720" numCol="1" anchor="ctr" anchorCtr="0" compatLnSpc="1">
-            <a:prstTxWarp prst="textNoShape">
-              <a:avLst/>
-            </a:prstTxWarp>
-          </a:bodyPr>
+          <a:bodyPr vert="horz" wrap="square" lIns="91440" tIns="45720" rIns="91440" bIns="45720" numCol="1" anchor="ctr" anchorCtr="0" compatLnSpc="1"/>
           <a:lstStyle>
             <a:lvl1pPr algn="ctr" eaLnBrk="1" hangingPunct="1">
               <a:defRPr sz="900">
@@ -2595,10 +2523,6 @@
             </a:pPr>
             <a:fld id="{EB20F0D9-EC87-4081-AFA5-A11DF25F8E4A}" type="slidenum">
               <a:rPr lang="en-GB" altLang="en-US"/>
-              <a:pPr>
-                <a:defRPr/>
-              </a:pPr>
-              <a:t>‹#›</a:t>
             </a:fld>
             <a:endParaRPr lang="en-GB" altLang="en-US" dirty="0"/>
           </a:p>
@@ -2637,8 +2561,8 @@
                 <a:solidFill>
                   <a:srgbClr val="898989"/>
                 </a:solidFill>
-                <a:latin typeface="Arial" pitchFamily="34" charset="0"/>
-                <a:cs typeface="Arial" pitchFamily="34" charset="0"/>
+                <a:latin typeface="Arial" panose="020B0604020202020204" pitchFamily="34" charset="0"/>
+                <a:cs typeface="Arial" panose="020B0604020202020204" pitchFamily="34" charset="0"/>
               </a:defRPr>
             </a:lvl1pPr>
           </a:lstStyle>
@@ -2648,10 +2572,6 @@
             </a:pPr>
             <a:fld id="{D50EEC74-261A-4952-9B26-238CA56A605F}" type="datetime4">
               <a:rPr lang="en-GB"/>
-              <a:pPr>
-                <a:defRPr/>
-              </a:pPr>
-              <a:t>25 November 2022</a:t>
             </a:fld>
             <a:endParaRPr lang="en-GB" dirty="0"/>
           </a:p>
@@ -2666,7 +2586,7 @@
           <p:nvPr userDrawn="1"/>
         </p:nvPicPr>
         <p:blipFill>
-          <a:blip r:embed="rId8">
+          <a:blip r:embed="rId7">
             <a:extLst>
               <a:ext uri="{28A0092B-C50C-407E-A947-70E740481C1C}">
                 <a14:useLocalDpi xmlns:a14="http://schemas.microsoft.com/office/drawing/2010/main" val="0"/>
@@ -2720,7 +2640,7 @@
           <p:nvPr userDrawn="1"/>
         </p:nvPicPr>
         <p:blipFill>
-          <a:blip r:embed="rId9">
+          <a:blip r:embed="rId8">
             <a:extLst>
               <a:ext uri="{28A0092B-C50C-407E-A947-70E740481C1C}">
                 <a14:useLocalDpi xmlns:a14="http://schemas.microsoft.com/office/drawing/2010/main" val="0"/>
@@ -2790,9 +2710,9 @@
           <a:solidFill>
             <a:srgbClr val="9A1D2B"/>
           </a:solidFill>
-          <a:latin typeface="Arial" pitchFamily="34" charset="0"/>
+          <a:latin typeface="Arial" panose="020B0604020202020204" pitchFamily="34" charset="0"/>
           <a:ea typeface="+mj-ea"/>
-          <a:cs typeface="Arial" pitchFamily="34" charset="0"/>
+          <a:cs typeface="Arial" panose="020B0604020202020204" pitchFamily="34" charset="0"/>
         </a:defRPr>
       </a:lvl1pPr>
       <a:lvl2pPr algn="l" rtl="0" eaLnBrk="0" fontAlgn="base" hangingPunct="0">
@@ -2806,8 +2726,8 @@
           <a:solidFill>
             <a:srgbClr val="9A1D2B"/>
           </a:solidFill>
-          <a:latin typeface="Arial" charset="0"/>
-          <a:cs typeface="Arial" charset="0"/>
+          <a:latin typeface="Arial" panose="020B0604020202020204" pitchFamily="34" charset="0"/>
+          <a:cs typeface="Arial" panose="020B0604020202020204" pitchFamily="34" charset="0"/>
         </a:defRPr>
       </a:lvl2pPr>
       <a:lvl3pPr algn="l" rtl="0" eaLnBrk="0" fontAlgn="base" hangingPunct="0">
@@ -2821,8 +2741,8 @@
           <a:solidFill>
             <a:srgbClr val="9A1D2B"/>
           </a:solidFill>
-          <a:latin typeface="Arial" charset="0"/>
-          <a:cs typeface="Arial" charset="0"/>
+          <a:latin typeface="Arial" panose="020B0604020202020204" pitchFamily="34" charset="0"/>
+          <a:cs typeface="Arial" panose="020B0604020202020204" pitchFamily="34" charset="0"/>
         </a:defRPr>
       </a:lvl3pPr>
       <a:lvl4pPr algn="l" rtl="0" eaLnBrk="0" fontAlgn="base" hangingPunct="0">
@@ -2836,8 +2756,8 @@
           <a:solidFill>
             <a:srgbClr val="9A1D2B"/>
           </a:solidFill>
-          <a:latin typeface="Arial" charset="0"/>
-          <a:cs typeface="Arial" charset="0"/>
+          <a:latin typeface="Arial" panose="020B0604020202020204" pitchFamily="34" charset="0"/>
+          <a:cs typeface="Arial" panose="020B0604020202020204" pitchFamily="34" charset="0"/>
         </a:defRPr>
       </a:lvl4pPr>
       <a:lvl5pPr algn="l" rtl="0" eaLnBrk="0" fontAlgn="base" hangingPunct="0">
@@ -2851,8 +2771,8 @@
           <a:solidFill>
             <a:srgbClr val="9A1D2B"/>
           </a:solidFill>
-          <a:latin typeface="Arial" charset="0"/>
-          <a:cs typeface="Arial" charset="0"/>
+          <a:latin typeface="Arial" panose="020B0604020202020204" pitchFamily="34" charset="0"/>
+          <a:cs typeface="Arial" panose="020B0604020202020204" pitchFamily="34" charset="0"/>
         </a:defRPr>
       </a:lvl5pPr>
       <a:lvl6pPr marL="342900" algn="l" rtl="0" fontAlgn="base">
@@ -2866,8 +2786,8 @@
           <a:solidFill>
             <a:srgbClr val="9A1D2B"/>
           </a:solidFill>
-          <a:latin typeface="Arial" charset="0"/>
-          <a:cs typeface="Arial" charset="0"/>
+          <a:latin typeface="Arial" panose="020B0604020202020204" pitchFamily="34" charset="0"/>
+          <a:cs typeface="Arial" panose="020B0604020202020204" pitchFamily="34" charset="0"/>
         </a:defRPr>
       </a:lvl6pPr>
       <a:lvl7pPr marL="685800" algn="l" rtl="0" fontAlgn="base">
@@ -2881,8 +2801,8 @@
           <a:solidFill>
             <a:srgbClr val="9A1D2B"/>
           </a:solidFill>
-          <a:latin typeface="Arial" charset="0"/>
-          <a:cs typeface="Arial" charset="0"/>
+          <a:latin typeface="Arial" panose="020B0604020202020204" pitchFamily="34" charset="0"/>
+          <a:cs typeface="Arial" panose="020B0604020202020204" pitchFamily="34" charset="0"/>
         </a:defRPr>
       </a:lvl7pPr>
       <a:lvl8pPr marL="1028700" algn="l" rtl="0" fontAlgn="base">
@@ -2896,8 +2816,8 @@
           <a:solidFill>
             <a:srgbClr val="9A1D2B"/>
           </a:solidFill>
-          <a:latin typeface="Arial" charset="0"/>
-          <a:cs typeface="Arial" charset="0"/>
+          <a:latin typeface="Arial" panose="020B0604020202020204" pitchFamily="34" charset="0"/>
+          <a:cs typeface="Arial" panose="020B0604020202020204" pitchFamily="34" charset="0"/>
         </a:defRPr>
       </a:lvl8pPr>
       <a:lvl9pPr marL="1371600" algn="l" rtl="0" fontAlgn="base">
@@ -2911,8 +2831,8 @@
           <a:solidFill>
             <a:srgbClr val="9A1D2B"/>
           </a:solidFill>
-          <a:latin typeface="Arial" charset="0"/>
-          <a:cs typeface="Arial" charset="0"/>
+          <a:latin typeface="Arial" panose="020B0604020202020204" pitchFamily="34" charset="0"/>
+          <a:cs typeface="Arial" panose="020B0604020202020204" pitchFamily="34" charset="0"/>
         </a:defRPr>
       </a:lvl9pPr>
     </p:titleStyle>
@@ -2935,7 +2855,7 @@
           <a:cs typeface="+mn-cs"/>
         </a:defRPr>
       </a:lvl1pPr>
-      <a:lvl2pPr marL="557213" indent="-214313" algn="l" rtl="0" eaLnBrk="0" fontAlgn="base" hangingPunct="0">
+      <a:lvl2pPr marL="557530" indent="-214630" algn="l" rtl="0" eaLnBrk="0" fontAlgn="base" hangingPunct="0">
         <a:spcBef>
           <a:spcPct val="20000"/>
         </a:spcBef>
@@ -3011,7 +2931,7 @@
         <a:spcBef>
           <a:spcPct val="20000"/>
         </a:spcBef>
-        <a:buFont typeface="Arial" pitchFamily="34" charset="0"/>
+        <a:buFont typeface="Arial" panose="020B0604020202020204" pitchFamily="34" charset="0"/>
         <a:buChar char="•"/>
         <a:defRPr sz="1500" kern="1200">
           <a:solidFill>
@@ -3026,7 +2946,7 @@
         <a:spcBef>
           <a:spcPct val="20000"/>
         </a:spcBef>
-        <a:buFont typeface="Arial" pitchFamily="34" charset="0"/>
+        <a:buFont typeface="Arial" panose="020B0604020202020204" pitchFamily="34" charset="0"/>
         <a:buChar char="•"/>
         <a:defRPr sz="1500" kern="1200">
           <a:solidFill>
@@ -3041,7 +2961,7 @@
         <a:spcBef>
           <a:spcPct val="20000"/>
         </a:spcBef>
-        <a:buFont typeface="Arial" pitchFamily="34" charset="0"/>
+        <a:buFont typeface="Arial" panose="020B0604020202020204" pitchFamily="34" charset="0"/>
         <a:buChar char="•"/>
         <a:defRPr sz="1500" kern="1200">
           <a:solidFill>
@@ -3056,7 +2976,7 @@
         <a:spcBef>
           <a:spcPct val="20000"/>
         </a:spcBef>
-        <a:buFont typeface="Arial" pitchFamily="34" charset="0"/>
+        <a:buFont typeface="Arial" panose="020B0604020202020204" pitchFamily="34" charset="0"/>
         <a:buChar char="•"/>
         <a:defRPr sz="1500" kern="1200">
           <a:solidFill>
@@ -3210,6 +3130,7 @@
               <a:rPr lang="en-GB" altLang="en-US" dirty="0"/>
               <a:t>ERTS Final Assessment – Task 1 (Template)</a:t>
             </a:r>
+            <a:endParaRPr lang="en-GB" altLang="en-US" dirty="0"/>
           </a:p>
         </p:txBody>
       </p:sp>
@@ -3237,12 +3158,14 @@
               <a:rPr lang="en-GB" altLang="en-US" dirty="0"/>
               <a:t>Harry Liu - fx19583</a:t>
             </a:r>
+            <a:endParaRPr lang="en-GB" altLang="en-US" dirty="0"/>
           </a:p>
           <a:p>
             <a:r>
               <a:rPr lang="en-GB" altLang="en-US" dirty="0"/>
               <a:t>Stephanie Lin - pt19585</a:t>
             </a:r>
+            <a:endParaRPr lang="en-GB" altLang="en-US" dirty="0"/>
           </a:p>
           <a:p>
             <a:r>
@@ -3253,6 +3176,17 @@
               <a:rPr lang="en-GB" altLang="en-US" dirty="0"/>
               <a:t> Chen - mt20768</a:t>
             </a:r>
+            <a:endParaRPr lang="en-GB" altLang="en-US" dirty="0"/>
+          </a:p>
+          <a:p>
+            <a:endParaRPr lang="en-GB" altLang="en-US" dirty="0"/>
+          </a:p>
+          <a:p>
+            <a:r>
+              <a:rPr lang="en-US" altLang="en-GB" dirty="0"/>
+              <a:t>(There is detailed comment describing the operation of the functions and codes in the code file)</a:t>
+            </a:r>
+            <a:endParaRPr lang="en-US" altLang="en-GB" dirty="0"/>
           </a:p>
         </p:txBody>
       </p:sp>
@@ -3300,7 +3234,7 @@
                 <a:cs typeface="Arial" panose="020B0604020202020204" pitchFamily="34" charset="0"/>
               </a:defRPr>
             </a:lvl1pPr>
-            <a:lvl2pPr marL="557213" indent="-214313">
+            <a:lvl2pPr marL="557530" indent="-214630">
               <a:defRPr>
                 <a:solidFill>
                   <a:schemeClr val="tx1"/>
@@ -3404,8 +3338,6 @@
                   <a:srgbClr val="898989"/>
                 </a:solidFill>
               </a:rPr>
-              <a:pPr/>
-              <a:t>1</a:t>
             </a:fld>
             <a:endParaRPr lang="en-GB" altLang="en-US" dirty="0">
               <a:solidFill>
@@ -3448,11 +3380,7 @@
           </a:extLst>
         </p:spPr>
         <p:txBody>
-          <a:bodyPr vert="horz" wrap="square" lIns="68580" tIns="34290" rIns="68580" bIns="34290" numCol="1" anchor="t" anchorCtr="0" compatLnSpc="1">
-            <a:prstTxWarp prst="textNoShape">
-              <a:avLst/>
-            </a:prstTxWarp>
-          </a:bodyPr>
+          <a:bodyPr vert="horz" wrap="square" lIns="68580" tIns="34290" rIns="68580" bIns="34290" numCol="1" anchor="t" anchorCtr="0" compatLnSpc="1"/>
           <a:lstStyle>
             <a:lvl1pPr>
               <a:defRPr>
@@ -3463,7 +3391,7 @@
                 <a:cs typeface="Arial" panose="020B0604020202020204" pitchFamily="34" charset="0"/>
               </a:defRPr>
             </a:lvl1pPr>
-            <a:lvl2pPr marL="557213" indent="-214313">
+            <a:lvl2pPr marL="557530" indent="-214630">
               <a:defRPr>
                 <a:solidFill>
                   <a:schemeClr val="tx1"/>
@@ -3575,15 +3503,6 @@
                   <a:srgbClr val="898989"/>
                 </a:solidFill>
               </a:rPr>
-              <a:pPr fontAlgn="base">
-                <a:spcBef>
-                  <a:spcPct val="0"/>
-                </a:spcBef>
-                <a:spcAft>
-                  <a:spcPct val="0"/>
-                </a:spcAft>
-              </a:pPr>
-              <a:t>25 November 2022</a:t>
             </a:fld>
             <a:endParaRPr lang="en-GB" altLang="en-US" dirty="0">
               <a:solidFill>
@@ -3628,15 +3547,21 @@
             <p:ph type="title"/>
           </p:nvPr>
         </p:nvSpPr>
-        <p:spPr/>
+        <p:spPr>
+          <a:xfrm>
+            <a:off x="251470" y="548804"/>
+            <a:ext cx="8651806" cy="576064"/>
+          </a:xfrm>
+        </p:spPr>
         <p:txBody>
           <a:bodyPr/>
           <a:lstStyle/>
           <a:p>
             <a:r>
               <a:rPr lang="en-GB" dirty="0"/>
-              <a:t>Guidance for this presentation</a:t>
-            </a:r>
+              <a:t>Practical elements</a:t>
+            </a:r>
+            <a:endParaRPr lang="en-GB" dirty="0"/>
           </a:p>
         </p:txBody>
       </p:sp>
@@ -3650,51 +3575,743 @@
             <p:ph idx="1"/>
           </p:nvPr>
         </p:nvSpPr>
-        <p:spPr/>
+        <p:spPr>
+          <a:xfrm>
+            <a:off x="225425" y="980440"/>
+            <a:ext cx="8716645" cy="5636260"/>
+          </a:xfrm>
+        </p:spPr>
         <p:txBody>
           <a:bodyPr/>
           <a:lstStyle/>
           <a:p>
             <a:r>
-              <a:rPr lang="en-GB" sz="1900" dirty="0"/>
-              <a:t>This presentation is assessed and will form your mark for the first task</a:t>
-            </a:r>
-          </a:p>
-          <a:p>
-            <a:r>
-              <a:rPr lang="en-GB" sz="1900" dirty="0"/>
-              <a:t>Keep explanations concise, use screenshots or bullet points to present information</a:t>
-            </a:r>
-          </a:p>
-          <a:p>
-            <a:r>
-              <a:rPr lang="en-GB" sz="1900" dirty="0"/>
-              <a:t>You will have 5 minutes to present this, this is a strict limit and you will be timed</a:t>
-            </a:r>
-          </a:p>
-          <a:p>
-            <a:r>
-              <a:rPr lang="en-GB" sz="1900" dirty="0"/>
-              <a:t>Use the time as you feel appropriate</a:t>
-            </a:r>
-          </a:p>
-          <a:p>
-            <a:r>
-              <a:rPr lang="en-GB" sz="1900" dirty="0"/>
-              <a:t>Use your code and robot to help you present what you have done</a:t>
-            </a:r>
-          </a:p>
-          <a:p>
-            <a:r>
-              <a:rPr lang="en-GB" sz="1900" dirty="0"/>
-              <a:t>You will also be asked questions after your presentation</a:t>
-            </a:r>
-          </a:p>
-          <a:p>
-            <a:r>
-              <a:rPr lang="en-GB" sz="1900" dirty="0"/>
-              <a:t>Delete this slide</a:t>
-            </a:r>
+              <a:rPr lang="en-GB" sz="1200" b="1" dirty="0">
+                <a:latin typeface="+mj-lt"/>
+                <a:cs typeface="+mj-lt"/>
+              </a:rPr>
+              <a:t>Show that the robot can move around effectively in both modes of operations</a:t>
+            </a:r>
+            <a:endParaRPr lang="en-GB" sz="1200" b="1" dirty="0">
+              <a:latin typeface="+mj-lt"/>
+              <a:cs typeface="+mj-lt"/>
+            </a:endParaRPr>
+          </a:p>
+          <a:p>
+            <a:pPr lvl="1"/>
+            <a:r>
+              <a:rPr lang="en-US" altLang="en-GB" sz="1400" dirty="0">
+                <a:solidFill>
+                  <a:schemeClr val="tx2">
+                    <a:lumMod val="50000"/>
+                  </a:schemeClr>
+                </a:solidFill>
+                <a:latin typeface="+mj-lt"/>
+                <a:ea typeface="+mj-ea"/>
+                <a:cs typeface="+mj-lt"/>
+              </a:rPr>
+              <a:t>The program first lets the user press switch 1 or switch 2 to select auto or free motion mode respectively [mode_selection()]</a:t>
+            </a:r>
+            <a:endParaRPr lang="en-US" altLang="en-GB" sz="1400" dirty="0">
+              <a:solidFill>
+                <a:schemeClr val="tx2">
+                  <a:lumMod val="50000"/>
+                </a:schemeClr>
+              </a:solidFill>
+              <a:latin typeface="+mj-lt"/>
+              <a:ea typeface="+mj-ea"/>
+              <a:cs typeface="+mj-lt"/>
+            </a:endParaRPr>
+          </a:p>
+          <a:p>
+            <a:pPr lvl="2"/>
+            <a:r>
+              <a:rPr lang="en-US" altLang="en-GB" sz="1400" b="1" dirty="0">
+                <a:solidFill>
+                  <a:schemeClr val="tx2">
+                    <a:lumMod val="50000"/>
+                  </a:schemeClr>
+                </a:solidFill>
+                <a:latin typeface="+mj-lt"/>
+                <a:ea typeface="+mj-ea"/>
+                <a:cs typeface="+mj-lt"/>
+              </a:rPr>
+              <a:t>IF </a:t>
+            </a:r>
+            <a:r>
+              <a:rPr lang="en-US" altLang="en-GB" sz="1400" dirty="0">
+                <a:solidFill>
+                  <a:schemeClr val="tx2">
+                    <a:lumMod val="50000"/>
+                  </a:schemeClr>
+                </a:solidFill>
+                <a:latin typeface="+mj-lt"/>
+                <a:ea typeface="+mj-ea"/>
+                <a:cs typeface="+mj-lt"/>
+              </a:rPr>
+              <a:t>switch 1 is pressed -&gt; </a:t>
+            </a:r>
+            <a:r>
+              <a:rPr lang="en-US" altLang="en-GB" sz="1400" b="1" dirty="0">
+                <a:solidFill>
+                  <a:schemeClr val="tx2">
+                    <a:lumMod val="50000"/>
+                  </a:schemeClr>
+                </a:solidFill>
+                <a:latin typeface="+mj-lt"/>
+                <a:ea typeface="+mj-ea"/>
+                <a:cs typeface="+mj-lt"/>
+              </a:rPr>
+              <a:t>SKYBLUE LED </a:t>
+            </a:r>
+            <a:r>
+              <a:rPr lang="en-US" altLang="en-GB" sz="1400" dirty="0">
+                <a:solidFill>
+                  <a:schemeClr val="tx2">
+                    <a:lumMod val="50000"/>
+                  </a:schemeClr>
+                </a:solidFill>
+                <a:latin typeface="+mj-lt"/>
+                <a:ea typeface="+mj-ea"/>
+                <a:cs typeface="+mj-lt"/>
+              </a:rPr>
+              <a:t>turned on suggesting auto mode selected</a:t>
+            </a:r>
+            <a:endParaRPr lang="en-US" altLang="en-GB" sz="1400" dirty="0">
+              <a:solidFill>
+                <a:schemeClr val="tx2">
+                  <a:lumMod val="50000"/>
+                </a:schemeClr>
+              </a:solidFill>
+              <a:latin typeface="+mj-lt"/>
+              <a:ea typeface="+mj-ea"/>
+              <a:cs typeface="+mj-lt"/>
+            </a:endParaRPr>
+          </a:p>
+          <a:p>
+            <a:pPr lvl="3"/>
+            <a:r>
+              <a:rPr lang="en-US" altLang="en-GB" sz="1400" dirty="0">
+                <a:solidFill>
+                  <a:schemeClr val="tx2">
+                    <a:lumMod val="50000"/>
+                  </a:schemeClr>
+                </a:solidFill>
+                <a:latin typeface="+mj-lt"/>
+                <a:ea typeface="+mj-ea"/>
+                <a:cs typeface="+mj-lt"/>
+              </a:rPr>
+              <a:t>Let the user press switch 1 or switch 2 again to select interrupt or polling</a:t>
+            </a:r>
+            <a:endParaRPr lang="en-US" altLang="en-GB" sz="1400" dirty="0">
+              <a:solidFill>
+                <a:schemeClr val="tx2">
+                  <a:lumMod val="50000"/>
+                </a:schemeClr>
+              </a:solidFill>
+              <a:latin typeface="+mj-lt"/>
+              <a:ea typeface="+mj-ea"/>
+              <a:cs typeface="+mj-lt"/>
+            </a:endParaRPr>
+          </a:p>
+          <a:p>
+            <a:pPr lvl="4"/>
+            <a:r>
+              <a:rPr lang="en-US" altLang="en-GB" sz="1400" b="1" dirty="0">
+                <a:solidFill>
+                  <a:schemeClr val="tx2">
+                    <a:lumMod val="50000"/>
+                  </a:schemeClr>
+                </a:solidFill>
+                <a:latin typeface="+mj-lt"/>
+                <a:ea typeface="+mj-ea"/>
+                <a:cs typeface="+mj-lt"/>
+              </a:rPr>
+              <a:t>IF </a:t>
+            </a:r>
+            <a:r>
+              <a:rPr lang="en-US" altLang="en-GB" sz="1400" dirty="0">
+                <a:solidFill>
+                  <a:schemeClr val="tx2">
+                    <a:lumMod val="50000"/>
+                  </a:schemeClr>
+                </a:solidFill>
+                <a:latin typeface="+mj-lt"/>
+                <a:ea typeface="+mj-ea"/>
+                <a:cs typeface="+mj-lt"/>
+              </a:rPr>
+              <a:t>switch 1 is pressed -&gt; </a:t>
+            </a:r>
+            <a:r>
+              <a:rPr lang="en-US" altLang="en-GB" sz="1400" u="sng" dirty="0">
+                <a:solidFill>
+                  <a:schemeClr val="tx2">
+                    <a:lumMod val="50000"/>
+                  </a:schemeClr>
+                </a:solidFill>
+                <a:latin typeface="+mj-lt"/>
+                <a:ea typeface="+mj-ea"/>
+                <a:cs typeface="+mj-lt"/>
+              </a:rPr>
+              <a:t>auto mode with interrupt</a:t>
+            </a:r>
+            <a:r>
+              <a:rPr lang="en-US" altLang="en-GB" sz="1400" dirty="0">
+                <a:solidFill>
+                  <a:schemeClr val="tx2">
+                    <a:lumMod val="50000"/>
+                  </a:schemeClr>
+                </a:solidFill>
+                <a:latin typeface="+mj-lt"/>
+                <a:ea typeface="+mj-ea"/>
+                <a:cs typeface="+mj-lt"/>
+              </a:rPr>
+              <a:t> (mode 1)</a:t>
+            </a:r>
+            <a:endParaRPr lang="en-US" altLang="en-GB" sz="1400" dirty="0">
+              <a:solidFill>
+                <a:schemeClr val="tx2">
+                  <a:lumMod val="50000"/>
+                </a:schemeClr>
+              </a:solidFill>
+              <a:latin typeface="+mj-lt"/>
+              <a:ea typeface="+mj-ea"/>
+              <a:cs typeface="+mj-lt"/>
+            </a:endParaRPr>
+          </a:p>
+          <a:p>
+            <a:pPr lvl="4"/>
+            <a:r>
+              <a:rPr lang="en-US" altLang="en-GB" sz="1400" b="1" dirty="0">
+                <a:solidFill>
+                  <a:schemeClr val="tx2">
+                    <a:lumMod val="50000"/>
+                  </a:schemeClr>
+                </a:solidFill>
+                <a:latin typeface="+mj-lt"/>
+                <a:ea typeface="+mj-ea"/>
+                <a:cs typeface="+mj-lt"/>
+              </a:rPr>
+              <a:t>ELSEIF </a:t>
+            </a:r>
+            <a:r>
+              <a:rPr lang="en-US" altLang="en-GB" sz="1400" dirty="0">
+                <a:solidFill>
+                  <a:schemeClr val="tx2">
+                    <a:lumMod val="50000"/>
+                  </a:schemeClr>
+                </a:solidFill>
+                <a:latin typeface="+mj-lt"/>
+                <a:ea typeface="+mj-ea"/>
+                <a:cs typeface="+mj-lt"/>
+              </a:rPr>
+              <a:t>switch 2 is pressed -&gt; </a:t>
+            </a:r>
+            <a:r>
+              <a:rPr lang="en-US" altLang="en-GB" sz="1400" u="sng" dirty="0">
+                <a:solidFill>
+                  <a:schemeClr val="tx2">
+                    <a:lumMod val="50000"/>
+                  </a:schemeClr>
+                </a:solidFill>
+                <a:latin typeface="+mj-lt"/>
+                <a:ea typeface="+mj-ea"/>
+                <a:cs typeface="+mj-lt"/>
+              </a:rPr>
+              <a:t>auto mode with polling</a:t>
+            </a:r>
+            <a:r>
+              <a:rPr lang="en-US" altLang="en-GB" sz="1400" dirty="0">
+                <a:solidFill>
+                  <a:schemeClr val="tx2">
+                    <a:lumMod val="50000"/>
+                  </a:schemeClr>
+                </a:solidFill>
+                <a:latin typeface="+mj-lt"/>
+                <a:ea typeface="+mj-ea"/>
+                <a:cs typeface="+mj-lt"/>
+              </a:rPr>
+              <a:t> (mode 2)</a:t>
+            </a:r>
+            <a:endParaRPr lang="en-US" altLang="en-GB" sz="1400" dirty="0">
+              <a:solidFill>
+                <a:schemeClr val="tx2">
+                  <a:lumMod val="50000"/>
+                </a:schemeClr>
+              </a:solidFill>
+              <a:latin typeface="+mj-lt"/>
+              <a:ea typeface="+mj-ea"/>
+              <a:cs typeface="+mj-lt"/>
+            </a:endParaRPr>
+          </a:p>
+          <a:p>
+            <a:pPr lvl="2"/>
+            <a:r>
+              <a:rPr lang="en-US" altLang="en-GB" sz="1400" b="1" dirty="0">
+                <a:solidFill>
+                  <a:schemeClr val="tx2">
+                    <a:lumMod val="50000"/>
+                  </a:schemeClr>
+                </a:solidFill>
+                <a:latin typeface="+mj-lt"/>
+                <a:ea typeface="+mj-ea"/>
+                <a:cs typeface="+mj-lt"/>
+              </a:rPr>
+              <a:t>ELSEIF </a:t>
+            </a:r>
+            <a:r>
+              <a:rPr lang="en-US" altLang="en-GB" sz="1400" dirty="0">
+                <a:solidFill>
+                  <a:schemeClr val="tx2">
+                    <a:lumMod val="50000"/>
+                  </a:schemeClr>
+                </a:solidFill>
+                <a:latin typeface="+mj-lt"/>
+                <a:ea typeface="+mj-ea"/>
+                <a:cs typeface="+mj-lt"/>
+              </a:rPr>
+              <a:t>switch 2 is pressed -&gt; </a:t>
+            </a:r>
+            <a:r>
+              <a:rPr lang="en-US" altLang="en-GB" sz="1400" b="1" dirty="0">
+                <a:solidFill>
+                  <a:schemeClr val="tx2">
+                    <a:lumMod val="50000"/>
+                  </a:schemeClr>
+                </a:solidFill>
+                <a:latin typeface="+mj-lt"/>
+                <a:ea typeface="+mj-ea"/>
+                <a:cs typeface="+mj-lt"/>
+              </a:rPr>
+              <a:t>PINK LED </a:t>
+            </a:r>
+            <a:r>
+              <a:rPr lang="en-US" altLang="en-GB" sz="1400" dirty="0">
+                <a:solidFill>
+                  <a:schemeClr val="tx2">
+                    <a:lumMod val="50000"/>
+                  </a:schemeClr>
+                </a:solidFill>
+                <a:latin typeface="+mj-lt"/>
+                <a:ea typeface="+mj-ea"/>
+                <a:cs typeface="+mj-lt"/>
+              </a:rPr>
+              <a:t>turned on suggesting free motion mode selected</a:t>
+            </a:r>
+            <a:endParaRPr lang="en-US" altLang="en-GB" sz="1400" dirty="0">
+              <a:solidFill>
+                <a:schemeClr val="tx2">
+                  <a:lumMod val="50000"/>
+                </a:schemeClr>
+              </a:solidFill>
+              <a:latin typeface="+mj-lt"/>
+              <a:ea typeface="+mj-ea"/>
+              <a:cs typeface="+mj-lt"/>
+            </a:endParaRPr>
+          </a:p>
+          <a:p>
+            <a:pPr lvl="3"/>
+            <a:r>
+              <a:rPr lang="en-US" altLang="en-GB" sz="1400" dirty="0">
+                <a:solidFill>
+                  <a:schemeClr val="tx2">
+                    <a:lumMod val="50000"/>
+                  </a:schemeClr>
+                </a:solidFill>
+                <a:latin typeface="+mj-lt"/>
+                <a:ea typeface="+mj-ea"/>
+                <a:cs typeface="+mj-lt"/>
+                <a:sym typeface="+mn-ea"/>
+              </a:rPr>
+              <a:t>Let the user press switch 1 or switch 2 again to select interrupt or polling</a:t>
+            </a:r>
+            <a:endParaRPr lang="en-US" altLang="en-GB" sz="1400" dirty="0">
+              <a:solidFill>
+                <a:schemeClr val="tx2">
+                  <a:lumMod val="50000"/>
+                </a:schemeClr>
+              </a:solidFill>
+              <a:latin typeface="+mj-lt"/>
+              <a:ea typeface="+mj-ea"/>
+              <a:cs typeface="+mj-lt"/>
+            </a:endParaRPr>
+          </a:p>
+          <a:p>
+            <a:pPr lvl="4"/>
+            <a:r>
+              <a:rPr lang="en-US" altLang="en-GB" sz="1400" b="1" dirty="0">
+                <a:solidFill>
+                  <a:schemeClr val="tx2">
+                    <a:lumMod val="50000"/>
+                  </a:schemeClr>
+                </a:solidFill>
+                <a:latin typeface="+mj-lt"/>
+                <a:ea typeface="+mj-ea"/>
+                <a:cs typeface="+mj-lt"/>
+                <a:sym typeface="+mn-ea"/>
+              </a:rPr>
+              <a:t>IF </a:t>
+            </a:r>
+            <a:r>
+              <a:rPr lang="en-US" altLang="en-GB" sz="1400" dirty="0">
+                <a:solidFill>
+                  <a:schemeClr val="tx2">
+                    <a:lumMod val="50000"/>
+                  </a:schemeClr>
+                </a:solidFill>
+                <a:latin typeface="+mj-lt"/>
+                <a:ea typeface="+mj-ea"/>
+                <a:cs typeface="+mj-lt"/>
+                <a:sym typeface="+mn-ea"/>
+              </a:rPr>
+              <a:t>switch 1 is pressed -&gt; </a:t>
+            </a:r>
+            <a:r>
+              <a:rPr lang="en-US" altLang="en-GB" sz="1400" u="sng" dirty="0">
+                <a:solidFill>
+                  <a:schemeClr val="tx2">
+                    <a:lumMod val="50000"/>
+                  </a:schemeClr>
+                </a:solidFill>
+                <a:latin typeface="+mj-lt"/>
+                <a:ea typeface="+mj-ea"/>
+                <a:cs typeface="+mj-lt"/>
+                <a:sym typeface="+mn-ea"/>
+              </a:rPr>
+              <a:t>free motion mode with interrupt</a:t>
+            </a:r>
+            <a:r>
+              <a:rPr lang="en-US" altLang="en-GB" sz="1400" dirty="0">
+                <a:solidFill>
+                  <a:schemeClr val="tx2">
+                    <a:lumMod val="50000"/>
+                  </a:schemeClr>
+                </a:solidFill>
+                <a:latin typeface="+mj-lt"/>
+                <a:ea typeface="+mj-ea"/>
+                <a:cs typeface="+mj-lt"/>
+                <a:sym typeface="+mn-ea"/>
+              </a:rPr>
+              <a:t> (mode 3)</a:t>
+            </a:r>
+            <a:endParaRPr lang="en-US" altLang="en-GB" sz="1400" dirty="0">
+              <a:solidFill>
+                <a:schemeClr val="tx2">
+                  <a:lumMod val="50000"/>
+                </a:schemeClr>
+              </a:solidFill>
+              <a:latin typeface="+mj-lt"/>
+              <a:ea typeface="+mj-ea"/>
+              <a:cs typeface="+mj-lt"/>
+            </a:endParaRPr>
+          </a:p>
+          <a:p>
+            <a:pPr lvl="4"/>
+            <a:r>
+              <a:rPr lang="en-US" altLang="en-GB" sz="1400" b="1" dirty="0">
+                <a:solidFill>
+                  <a:schemeClr val="tx2">
+                    <a:lumMod val="50000"/>
+                  </a:schemeClr>
+                </a:solidFill>
+                <a:latin typeface="+mj-lt"/>
+                <a:ea typeface="+mj-ea"/>
+                <a:cs typeface="+mj-lt"/>
+                <a:sym typeface="+mn-ea"/>
+              </a:rPr>
+              <a:t>ELSEIF </a:t>
+            </a:r>
+            <a:r>
+              <a:rPr lang="en-US" altLang="en-GB" sz="1400" dirty="0">
+                <a:solidFill>
+                  <a:schemeClr val="tx2">
+                    <a:lumMod val="50000"/>
+                  </a:schemeClr>
+                </a:solidFill>
+                <a:latin typeface="+mj-lt"/>
+                <a:ea typeface="+mj-ea"/>
+                <a:cs typeface="+mj-lt"/>
+                <a:sym typeface="+mn-ea"/>
+              </a:rPr>
+              <a:t>switch 2 is pressed -&gt; </a:t>
+            </a:r>
+            <a:r>
+              <a:rPr lang="en-US" altLang="en-GB" sz="1400" u="sng" dirty="0">
+                <a:solidFill>
+                  <a:schemeClr val="tx2">
+                    <a:lumMod val="50000"/>
+                  </a:schemeClr>
+                </a:solidFill>
+                <a:latin typeface="+mj-lt"/>
+                <a:ea typeface="+mj-ea"/>
+                <a:cs typeface="+mj-lt"/>
+                <a:sym typeface="+mn-ea"/>
+              </a:rPr>
+              <a:t>free motion mode with polling</a:t>
+            </a:r>
+            <a:r>
+              <a:rPr lang="en-US" altLang="en-GB" sz="1400" dirty="0">
+                <a:solidFill>
+                  <a:schemeClr val="tx2">
+                    <a:lumMod val="50000"/>
+                  </a:schemeClr>
+                </a:solidFill>
+                <a:latin typeface="+mj-lt"/>
+                <a:ea typeface="+mj-ea"/>
+                <a:cs typeface="+mj-lt"/>
+                <a:sym typeface="+mn-ea"/>
+              </a:rPr>
+              <a:t> (mode 4)</a:t>
+            </a:r>
+            <a:endParaRPr lang="en-US" altLang="en-GB" sz="1400" dirty="0">
+              <a:solidFill>
+                <a:schemeClr val="tx2">
+                  <a:lumMod val="50000"/>
+                </a:schemeClr>
+              </a:solidFill>
+              <a:latin typeface="+mj-lt"/>
+              <a:ea typeface="+mj-ea"/>
+              <a:cs typeface="+mj-lt"/>
+              <a:sym typeface="+mn-ea"/>
+            </a:endParaRPr>
+          </a:p>
+          <a:p>
+            <a:pPr lvl="1"/>
+            <a:r>
+              <a:rPr lang="en-US" altLang="en-GB" sz="1400" dirty="0">
+                <a:solidFill>
+                  <a:schemeClr val="tx2">
+                    <a:lumMod val="50000"/>
+                  </a:schemeClr>
+                </a:solidFill>
+                <a:latin typeface="+mj-lt"/>
+                <a:ea typeface="+mj-ea"/>
+                <a:cs typeface="+mj-lt"/>
+                <a:sym typeface="+mn-ea"/>
+              </a:rPr>
+              <a:t>then enter the function that is designed for the specific mode [entering_mode()]</a:t>
+            </a:r>
+            <a:endParaRPr lang="en-US" altLang="en-GB" sz="1400" dirty="0">
+              <a:solidFill>
+                <a:schemeClr val="tx2">
+                  <a:lumMod val="50000"/>
+                </a:schemeClr>
+              </a:solidFill>
+              <a:latin typeface="+mj-lt"/>
+              <a:ea typeface="+mj-ea"/>
+              <a:cs typeface="+mj-lt"/>
+              <a:sym typeface="+mn-ea"/>
+            </a:endParaRPr>
+          </a:p>
+          <a:p>
+            <a:pPr lvl="1"/>
+            <a:r>
+              <a:rPr lang="en-US" altLang="en-GB" sz="1400" dirty="0">
+                <a:solidFill>
+                  <a:schemeClr val="tx2">
+                    <a:lumMod val="50000"/>
+                  </a:schemeClr>
+                </a:solidFill>
+                <a:latin typeface="+mj-lt"/>
+                <a:ea typeface="+mj-ea"/>
+                <a:cs typeface="+mj-lt"/>
+                <a:sym typeface="+mn-ea"/>
+              </a:rPr>
+              <a:t>mode 1 and 3:</a:t>
+            </a:r>
+            <a:endParaRPr lang="en-US" altLang="en-GB" sz="1400" dirty="0">
+              <a:solidFill>
+                <a:schemeClr val="tx2">
+                  <a:lumMod val="50000"/>
+                </a:schemeClr>
+              </a:solidFill>
+              <a:latin typeface="+mj-lt"/>
+              <a:ea typeface="+mj-ea"/>
+              <a:cs typeface="+mj-lt"/>
+              <a:sym typeface="+mn-ea"/>
+            </a:endParaRPr>
+          </a:p>
+          <a:p>
+            <a:pPr lvl="2"/>
+            <a:r>
+              <a:rPr lang="en-US" altLang="en-GB" sz="1400" dirty="0">
+                <a:solidFill>
+                  <a:schemeClr val="tx2">
+                    <a:lumMod val="50000"/>
+                  </a:schemeClr>
+                </a:solidFill>
+                <a:latin typeface="+mj-lt"/>
+                <a:ea typeface="+mj-ea"/>
+                <a:cs typeface="+mj-lt"/>
+                <a:sym typeface="+mn-ea"/>
+              </a:rPr>
+              <a:t>The function has an infinite while loop that lets the robot walk continuously in a predefined route (auto mode) or straight line(free motion mode).</a:t>
+            </a:r>
+            <a:endParaRPr lang="en-US" altLang="en-GB" sz="1400" dirty="0">
+              <a:solidFill>
+                <a:schemeClr val="tx2">
+                  <a:lumMod val="50000"/>
+                </a:schemeClr>
+              </a:solidFill>
+              <a:latin typeface="+mj-lt"/>
+              <a:ea typeface="+mj-ea"/>
+              <a:cs typeface="+mj-lt"/>
+              <a:sym typeface="+mn-ea"/>
+            </a:endParaRPr>
+          </a:p>
+          <a:p>
+            <a:pPr lvl="2"/>
+            <a:r>
+              <a:rPr lang="en-US" altLang="en-GB" sz="1400" dirty="0">
+                <a:solidFill>
+                  <a:schemeClr val="tx2">
+                    <a:lumMod val="50000"/>
+                  </a:schemeClr>
+                </a:solidFill>
+                <a:latin typeface="+mj-lt"/>
+                <a:ea typeface="+mj-ea"/>
+                <a:cs typeface="+mj-lt"/>
+                <a:sym typeface="+mn-ea"/>
+              </a:rPr>
+              <a:t>Because interrupt is enabled by EnableInterrupt(), whenever a bump switch is pressed, the robot immediately stops (auto mode) or turns direction (free motion mode).</a:t>
+            </a:r>
+            <a:endParaRPr lang="en-US" altLang="en-GB" sz="1400" dirty="0">
+              <a:solidFill>
+                <a:schemeClr val="tx2">
+                  <a:lumMod val="50000"/>
+                </a:schemeClr>
+              </a:solidFill>
+              <a:latin typeface="+mj-lt"/>
+              <a:ea typeface="+mj-ea"/>
+              <a:cs typeface="+mj-lt"/>
+              <a:sym typeface="+mn-ea"/>
+            </a:endParaRPr>
+          </a:p>
+          <a:p>
+            <a:pPr lvl="1"/>
+            <a:r>
+              <a:rPr lang="en-US" altLang="en-GB" sz="1400" dirty="0">
+                <a:solidFill>
+                  <a:schemeClr val="tx2">
+                    <a:lumMod val="50000"/>
+                  </a:schemeClr>
+                </a:solidFill>
+                <a:latin typeface="+mj-lt"/>
+                <a:ea typeface="+mj-ea"/>
+                <a:cs typeface="+mj-lt"/>
+                <a:sym typeface="+mn-ea"/>
+              </a:rPr>
+              <a:t>mode 2 and 4:</a:t>
+            </a:r>
+            <a:endParaRPr lang="en-US" altLang="en-GB" sz="1400" dirty="0">
+              <a:solidFill>
+                <a:schemeClr val="tx2">
+                  <a:lumMod val="50000"/>
+                </a:schemeClr>
+              </a:solidFill>
+              <a:latin typeface="+mj-lt"/>
+              <a:ea typeface="+mj-ea"/>
+              <a:cs typeface="+mj-lt"/>
+              <a:sym typeface="+mn-ea"/>
+            </a:endParaRPr>
+          </a:p>
+          <a:p>
+            <a:pPr lvl="2"/>
+            <a:r>
+              <a:rPr lang="en-US" altLang="en-GB" sz="1400" dirty="0">
+                <a:solidFill>
+                  <a:schemeClr val="tx2">
+                    <a:lumMod val="50000"/>
+                  </a:schemeClr>
+                </a:solidFill>
+                <a:latin typeface="+mj-lt"/>
+                <a:ea typeface="+mj-ea"/>
+                <a:cs typeface="+mj-lt"/>
+                <a:sym typeface="+mn-ea"/>
+              </a:rPr>
+              <a:t>The function has an infinite while loop that is executing the code sequentially, </a:t>
+            </a:r>
+            <a:r>
+              <a:rPr lang="en-US" altLang="en-GB" sz="1400" dirty="0">
+                <a:solidFill>
+                  <a:schemeClr val="tx2">
+                    <a:lumMod val="50000"/>
+                  </a:schemeClr>
+                </a:solidFill>
+                <a:latin typeface="+mj-lt"/>
+                <a:ea typeface="+mj-ea"/>
+                <a:cs typeface="+mj-lt"/>
+                <a:sym typeface="+mn-ea"/>
+              </a:rPr>
+              <a:t>It runs the code one by one, first it checks for bump, then moves in a straight line</a:t>
+            </a:r>
+            <a:endParaRPr lang="en-US" altLang="en-GB" sz="1400" dirty="0">
+              <a:solidFill>
+                <a:schemeClr val="tx2">
+                  <a:lumMod val="50000"/>
+                </a:schemeClr>
+              </a:solidFill>
+              <a:latin typeface="+mj-lt"/>
+              <a:ea typeface="+mj-ea"/>
+              <a:cs typeface="+mj-lt"/>
+              <a:sym typeface="+mn-ea"/>
+            </a:endParaRPr>
+          </a:p>
+          <a:p>
+            <a:pPr lvl="2"/>
+            <a:r>
+              <a:rPr lang="en-US" altLang="en-GB" sz="1400" dirty="0">
+                <a:solidFill>
+                  <a:schemeClr val="tx2">
+                    <a:lumMod val="50000"/>
+                  </a:schemeClr>
+                </a:solidFill>
+                <a:latin typeface="+mj-lt"/>
+                <a:ea typeface="+mj-ea"/>
+                <a:cs typeface="+mj-lt"/>
+                <a:sym typeface="+mn-ea"/>
+              </a:rPr>
+              <a:t>Because the interrupt is disabled by DisableInterrupt() in the function entering_mode(), robot will not immediately stop or turn direction when a switch is pressed.</a:t>
+            </a:r>
+            <a:endParaRPr lang="en-US" altLang="en-GB" sz="1400" dirty="0">
+              <a:solidFill>
+                <a:schemeClr val="tx2">
+                  <a:lumMod val="50000"/>
+                </a:schemeClr>
+              </a:solidFill>
+              <a:latin typeface="+mj-lt"/>
+              <a:ea typeface="+mj-ea"/>
+              <a:cs typeface="+mj-lt"/>
+              <a:sym typeface="+mn-ea"/>
+            </a:endParaRPr>
+          </a:p>
+          <a:p>
+            <a:pPr lvl="2"/>
+            <a:r>
+              <a:rPr lang="en-US" altLang="en-GB" sz="1400" dirty="0">
+                <a:solidFill>
+                  <a:schemeClr val="tx2">
+                    <a:lumMod val="50000"/>
+                  </a:schemeClr>
+                </a:solidFill>
+                <a:latin typeface="+mj-lt"/>
+                <a:ea typeface="+mj-ea"/>
+                <a:cs typeface="+mj-lt"/>
+                <a:sym typeface="+mn-ea"/>
+              </a:rPr>
+              <a:t>The robot will only stop or turn direction when the execution of the predefined route is finished meanwhile one of the bump switch is still pressed down.</a:t>
+            </a:r>
+            <a:endParaRPr lang="en-US" altLang="en-GB" sz="1400" dirty="0">
+              <a:solidFill>
+                <a:schemeClr val="tx2">
+                  <a:lumMod val="50000"/>
+                </a:schemeClr>
+              </a:solidFill>
+              <a:latin typeface="+mj-lt"/>
+              <a:ea typeface="+mj-ea"/>
+              <a:cs typeface="+mj-lt"/>
+              <a:sym typeface="+mn-ea"/>
+            </a:endParaRPr>
           </a:p>
         </p:txBody>
       </p:sp>
@@ -3718,10 +4335,6 @@
             </a:pPr>
             <a:fld id="{C9421E46-382C-4EE9-B45B-87761AE2BCD5}" type="slidenum">
               <a:rPr lang="en-GB" altLang="en-US" smtClean="0"/>
-              <a:pPr>
-                <a:defRPr/>
-              </a:pPr>
-              <a:t>2</a:t>
             </a:fld>
             <a:endParaRPr lang="en-GB" altLang="en-US" dirty="0"/>
           </a:p>
@@ -3747,21 +4360,12 @@
             </a:pPr>
             <a:fld id="{7EABAC35-51C5-4AC7-9255-2D72D8BB8FCD}" type="datetime4">
               <a:rPr lang="en-GB" smtClean="0"/>
-              <a:pPr>
-                <a:defRPr/>
-              </a:pPr>
-              <a:t>25 November 2022</a:t>
             </a:fld>
             <a:endParaRPr lang="en-GB" dirty="0"/>
           </a:p>
         </p:txBody>
       </p:sp>
     </p:spTree>
-    <p:extLst>
-      <p:ext uri="{BB962C8B-B14F-4D97-AF65-F5344CB8AC3E}">
-        <p14:creationId xmlns:p14="http://schemas.microsoft.com/office/powerpoint/2010/main" val="1641447288"/>
-      </p:ext>
-    </p:extLst>
   </p:cSld>
   <p:clrMapOvr>
     <a:masterClrMapping/>
@@ -3805,6 +4409,7 @@
               <a:rPr lang="en-GB" dirty="0"/>
               <a:t>Practical elements</a:t>
             </a:r>
+            <a:endParaRPr lang="en-GB" dirty="0"/>
           </a:p>
         </p:txBody>
       </p:sp>
@@ -3825,119 +4430,504 @@
           <a:p>
             <a:r>
               <a:rPr lang="en-GB" sz="1800" dirty="0"/>
-              <a:t>Show that the robot can move around effectively in both modes of operations</a:t>
-            </a:r>
+              <a:t>Show that you have made use of the LED &amp; Switches</a:t>
+            </a:r>
+            <a:endParaRPr lang="en-GB" sz="1800" dirty="0"/>
+          </a:p>
+          <a:p>
+            <a:pPr lvl="1"/>
+            <a:r>
+              <a:rPr lang="en-GB" sz="1800" b="1" u="sng" dirty="0">
+                <a:solidFill>
+                  <a:schemeClr val="tx2">
+                    <a:lumMod val="50000"/>
+                  </a:schemeClr>
+                </a:solidFill>
+              </a:rPr>
+              <a:t>Red light</a:t>
+            </a:r>
+            <a:r>
+              <a:rPr lang="en-GB" sz="1800" dirty="0">
+                <a:solidFill>
+                  <a:schemeClr val="tx2">
+                    <a:lumMod val="50000"/>
+                  </a:schemeClr>
+                </a:solidFill>
+              </a:rPr>
+              <a:t>: motor stops</a:t>
+            </a:r>
+            <a:endParaRPr lang="en-GB" sz="1800" dirty="0">
+              <a:solidFill>
+                <a:schemeClr val="tx2">
+                  <a:lumMod val="50000"/>
+                </a:schemeClr>
+              </a:solidFill>
+            </a:endParaRPr>
+          </a:p>
+          <a:p>
+            <a:pPr lvl="1"/>
+            <a:r>
+              <a:rPr lang="en-GB" sz="1800" b="1" u="sng" dirty="0">
+                <a:solidFill>
+                  <a:schemeClr val="tx2">
+                    <a:lumMod val="50000"/>
+                  </a:schemeClr>
+                </a:solidFill>
+              </a:rPr>
+              <a:t>White</a:t>
+            </a:r>
+            <a:r>
+              <a:rPr lang="en-GB" sz="1800" dirty="0">
+                <a:solidFill>
+                  <a:schemeClr val="tx2">
+                    <a:lumMod val="50000"/>
+                  </a:schemeClr>
+                </a:solidFill>
+              </a:rPr>
+              <a:t>: </a:t>
+            </a:r>
+            <a:r>
+              <a:rPr lang="en-US" altLang="en-GB" sz="1800" dirty="0">
+                <a:solidFill>
+                  <a:schemeClr val="tx2">
+                    <a:lumMod val="50000"/>
+                  </a:schemeClr>
+                </a:solidFill>
+              </a:rPr>
+              <a:t>moving </a:t>
+            </a:r>
+            <a:r>
+              <a:rPr lang="en-GB" sz="1800" dirty="0">
+                <a:solidFill>
+                  <a:schemeClr val="tx2">
+                    <a:lumMod val="50000"/>
+                  </a:schemeClr>
+                </a:solidFill>
+              </a:rPr>
+              <a:t>forward</a:t>
+            </a:r>
+            <a:endParaRPr lang="en-GB" sz="1800" dirty="0">
+              <a:solidFill>
+                <a:schemeClr val="tx2">
+                  <a:lumMod val="50000"/>
+                </a:schemeClr>
+              </a:solidFill>
+            </a:endParaRPr>
+          </a:p>
+          <a:p>
+            <a:pPr lvl="1"/>
+            <a:r>
+              <a:rPr lang="en-GB" sz="1800" b="1" u="sng" dirty="0">
+                <a:solidFill>
+                  <a:schemeClr val="tx2">
+                    <a:lumMod val="50000"/>
+                  </a:schemeClr>
+                </a:solidFill>
+              </a:rPr>
+              <a:t>Blue</a:t>
+            </a:r>
+            <a:r>
+              <a:rPr lang="en-GB" sz="1800" dirty="0">
+                <a:solidFill>
+                  <a:schemeClr val="tx2">
+                    <a:lumMod val="50000"/>
+                  </a:schemeClr>
+                </a:solidFill>
+              </a:rPr>
+              <a:t>: </a:t>
+            </a:r>
+            <a:r>
+              <a:rPr lang="en-US" altLang="en-GB" sz="1800" dirty="0">
+                <a:solidFill>
+                  <a:schemeClr val="tx2">
+                    <a:lumMod val="50000"/>
+                  </a:schemeClr>
+                </a:solidFill>
+              </a:rPr>
+              <a:t>turning </a:t>
+            </a:r>
+            <a:r>
+              <a:rPr lang="en-GB" sz="1800" dirty="0">
+                <a:solidFill>
+                  <a:schemeClr val="tx2">
+                    <a:lumMod val="50000"/>
+                  </a:schemeClr>
+                </a:solidFill>
+              </a:rPr>
+              <a:t>right</a:t>
+            </a:r>
+            <a:endParaRPr lang="en-GB" sz="1800" dirty="0">
+              <a:solidFill>
+                <a:schemeClr val="tx2">
+                  <a:lumMod val="50000"/>
+                </a:schemeClr>
+              </a:solidFill>
+            </a:endParaRPr>
+          </a:p>
+          <a:p>
+            <a:pPr lvl="1"/>
+            <a:r>
+              <a:rPr lang="en-GB" sz="1800" b="1" u="sng" dirty="0">
+                <a:solidFill>
+                  <a:schemeClr val="tx2">
+                    <a:lumMod val="50000"/>
+                  </a:schemeClr>
+                </a:solidFill>
+              </a:rPr>
+              <a:t>Yellow</a:t>
+            </a:r>
+            <a:r>
+              <a:rPr lang="en-GB" sz="1800" dirty="0">
+                <a:solidFill>
+                  <a:schemeClr val="tx2">
+                    <a:lumMod val="50000"/>
+                  </a:schemeClr>
+                </a:solidFill>
+              </a:rPr>
+              <a:t>: </a:t>
+            </a:r>
+            <a:r>
+              <a:rPr lang="en-US" altLang="en-GB" sz="1800" dirty="0">
+                <a:solidFill>
+                  <a:schemeClr val="tx2">
+                    <a:lumMod val="50000"/>
+                  </a:schemeClr>
+                </a:solidFill>
+              </a:rPr>
+              <a:t>turning </a:t>
+            </a:r>
+            <a:r>
+              <a:rPr lang="en-GB" sz="1800" dirty="0">
+                <a:solidFill>
+                  <a:schemeClr val="tx2">
+                    <a:lumMod val="50000"/>
+                  </a:schemeClr>
+                </a:solidFill>
+              </a:rPr>
+              <a:t>left</a:t>
+            </a:r>
+            <a:endParaRPr lang="en-GB" sz="1800" dirty="0">
+              <a:solidFill>
+                <a:schemeClr val="tx2">
+                  <a:lumMod val="50000"/>
+                </a:schemeClr>
+              </a:solidFill>
+            </a:endParaRPr>
+          </a:p>
+          <a:p>
+            <a:pPr lvl="1"/>
+            <a:r>
+              <a:rPr lang="en-GB" sz="1800" b="1" u="sng" dirty="0">
+                <a:solidFill>
+                  <a:schemeClr val="tx2">
+                    <a:lumMod val="50000"/>
+                  </a:schemeClr>
+                </a:solidFill>
+              </a:rPr>
+              <a:t>Green</a:t>
+            </a:r>
+            <a:r>
+              <a:rPr lang="en-GB" sz="1800" dirty="0">
+                <a:solidFill>
+                  <a:schemeClr val="tx2">
+                    <a:lumMod val="50000"/>
+                  </a:schemeClr>
+                </a:solidFill>
+              </a:rPr>
+              <a:t>: </a:t>
+            </a:r>
+            <a:r>
+              <a:rPr lang="en-US" altLang="en-GB" sz="1800" dirty="0">
+                <a:solidFill>
+                  <a:schemeClr val="tx2">
+                    <a:lumMod val="50000"/>
+                  </a:schemeClr>
+                </a:solidFill>
+              </a:rPr>
+              <a:t>moving </a:t>
+            </a:r>
+            <a:r>
+              <a:rPr lang="en-GB" sz="1800" dirty="0">
+                <a:solidFill>
+                  <a:schemeClr val="tx2">
+                    <a:lumMod val="50000"/>
+                  </a:schemeClr>
+                </a:solidFill>
+              </a:rPr>
+              <a:t>backward</a:t>
+            </a:r>
+            <a:endParaRPr lang="en-GB" sz="1800" dirty="0">
+              <a:solidFill>
+                <a:schemeClr val="tx2">
+                  <a:lumMod val="50000"/>
+                </a:schemeClr>
+              </a:solidFill>
+            </a:endParaRPr>
+          </a:p>
+          <a:p>
+            <a:pPr lvl="1"/>
+            <a:r>
+              <a:rPr lang="en-GB" sz="1800" b="1" u="sng" dirty="0">
+                <a:solidFill>
+                  <a:schemeClr val="tx2">
+                    <a:lumMod val="50000"/>
+                  </a:schemeClr>
+                </a:solidFill>
+              </a:rPr>
+              <a:t>Sky Blue</a:t>
+            </a:r>
+            <a:r>
+              <a:rPr lang="en-GB" sz="1800" dirty="0">
+                <a:solidFill>
+                  <a:schemeClr val="tx2">
+                    <a:lumMod val="50000"/>
+                  </a:schemeClr>
+                </a:solidFill>
+              </a:rPr>
+              <a:t>: </a:t>
+            </a:r>
+            <a:r>
+              <a:rPr lang="en-US" altLang="en-GB" sz="1800" dirty="0">
+                <a:solidFill>
+                  <a:schemeClr val="tx2">
+                    <a:lumMod val="50000"/>
+                  </a:schemeClr>
+                </a:solidFill>
+              </a:rPr>
+              <a:t>a</a:t>
+            </a:r>
+            <a:r>
+              <a:rPr lang="en-GB" sz="1800" dirty="0">
+                <a:solidFill>
+                  <a:schemeClr val="tx2">
+                    <a:lumMod val="50000"/>
+                  </a:schemeClr>
+                </a:solidFill>
+              </a:rPr>
+              <a:t>uto mode</a:t>
+            </a:r>
+            <a:r>
+              <a:rPr lang="en-US" altLang="en-GB" sz="1800" dirty="0">
+                <a:solidFill>
+                  <a:schemeClr val="tx2">
+                    <a:lumMod val="50000"/>
+                  </a:schemeClr>
+                </a:solidFill>
+              </a:rPr>
+              <a:t> selected</a:t>
+            </a:r>
+            <a:endParaRPr lang="en-GB" sz="1800" dirty="0">
+              <a:solidFill>
+                <a:schemeClr val="tx2">
+                  <a:lumMod val="50000"/>
+                </a:schemeClr>
+              </a:solidFill>
+            </a:endParaRPr>
+          </a:p>
+          <a:p>
+            <a:pPr lvl="1"/>
+            <a:r>
+              <a:rPr lang="en-GB" sz="1800" b="1" u="sng" dirty="0">
+                <a:solidFill>
+                  <a:schemeClr val="tx2">
+                    <a:lumMod val="50000"/>
+                  </a:schemeClr>
+                </a:solidFill>
+              </a:rPr>
+              <a:t>Pink</a:t>
+            </a:r>
+            <a:r>
+              <a:rPr lang="en-GB" sz="1800" dirty="0">
+                <a:solidFill>
+                  <a:schemeClr val="tx2">
+                    <a:lumMod val="50000"/>
+                  </a:schemeClr>
+                </a:solidFill>
+              </a:rPr>
+              <a:t>: </a:t>
+            </a:r>
+            <a:r>
+              <a:rPr lang="en-US" altLang="en-GB" sz="1800" dirty="0">
+                <a:solidFill>
+                  <a:schemeClr val="tx2">
+                    <a:lumMod val="50000"/>
+                  </a:schemeClr>
+                </a:solidFill>
+              </a:rPr>
+              <a:t>f</a:t>
+            </a:r>
+            <a:r>
+              <a:rPr lang="en-GB" sz="1800" dirty="0">
+                <a:solidFill>
+                  <a:schemeClr val="tx2">
+                    <a:lumMod val="50000"/>
+                  </a:schemeClr>
+                </a:solidFill>
+              </a:rPr>
+              <a:t>ree </a:t>
+            </a:r>
+            <a:r>
+              <a:rPr lang="en-US" altLang="en-GB" sz="1800" dirty="0">
+                <a:solidFill>
+                  <a:schemeClr val="tx2">
+                    <a:lumMod val="50000"/>
+                  </a:schemeClr>
+                </a:solidFill>
+              </a:rPr>
+              <a:t>motion </a:t>
+            </a:r>
+            <a:r>
+              <a:rPr lang="en-GB" sz="1800" dirty="0">
+                <a:solidFill>
+                  <a:schemeClr val="tx2">
+                    <a:lumMod val="50000"/>
+                  </a:schemeClr>
+                </a:solidFill>
+              </a:rPr>
+              <a:t>mode</a:t>
+            </a:r>
+            <a:r>
+              <a:rPr lang="en-US" altLang="en-GB" sz="1800" dirty="0">
+                <a:solidFill>
+                  <a:schemeClr val="tx2">
+                    <a:lumMod val="50000"/>
+                  </a:schemeClr>
+                </a:solidFill>
+              </a:rPr>
+              <a:t> selected</a:t>
+            </a:r>
+            <a:endParaRPr lang="en-GB" sz="1800" dirty="0">
+              <a:solidFill>
+                <a:schemeClr val="tx2">
+                  <a:lumMod val="50000"/>
+                </a:schemeClr>
+              </a:solidFill>
+            </a:endParaRPr>
           </a:p>
           <a:p>
             <a:r>
               <a:rPr lang="en-GB" sz="1800" dirty="0"/>
-              <a:t>Show that you have made use of the LED &amp; Switches</a:t>
-            </a:r>
+              <a:t>Is there </a:t>
+            </a:r>
+            <a:r>
+              <a:rPr lang="en-US" altLang="en-GB" sz="1800" dirty="0"/>
+              <a:t>any</a:t>
+            </a:r>
+            <a:r>
+              <a:rPr lang="en-GB" sz="1800" dirty="0"/>
+              <a:t> difference in operation when you robot works in polling mode and interrupt mode?</a:t>
+            </a:r>
+            <a:endParaRPr lang="en-GB" sz="1800" dirty="0"/>
           </a:p>
           <a:p>
             <a:pPr lvl="1"/>
             <a:r>
-              <a:rPr lang="en-GB" sz="1800" u="sng" dirty="0"/>
-              <a:t>Red light</a:t>
-            </a:r>
-            <a:r>
-              <a:rPr lang="en-GB" sz="1800" dirty="0"/>
-              <a:t>: motor stops</a:t>
-            </a:r>
+              <a:rPr lang="en-GB" sz="1800" dirty="0">
+                <a:solidFill>
+                  <a:schemeClr val="tx2">
+                    <a:lumMod val="50000"/>
+                  </a:schemeClr>
+                </a:solidFill>
+              </a:rPr>
+              <a:t>In Interrupt, the motor immediately stops(auto mode) or changes direction(free motion mode) when bump switch is hit</a:t>
+            </a:r>
+            <a:endParaRPr lang="en-GB" sz="1800" dirty="0">
+              <a:solidFill>
+                <a:schemeClr val="tx2">
+                  <a:lumMod val="50000"/>
+                </a:schemeClr>
+              </a:solidFill>
+            </a:endParaRPr>
           </a:p>
           <a:p>
             <a:pPr lvl="1"/>
             <a:r>
-              <a:rPr lang="en-GB" sz="1800" u="sng" dirty="0"/>
-              <a:t>White</a:t>
-            </a:r>
-            <a:r>
-              <a:rPr lang="en-GB" sz="1800" dirty="0"/>
-              <a:t>: forward</a:t>
-            </a:r>
-          </a:p>
-          <a:p>
-            <a:pPr lvl="1"/>
-            <a:r>
-              <a:rPr lang="en-GB" sz="1800" u="sng" dirty="0"/>
-              <a:t>Blue</a:t>
-            </a:r>
-            <a:r>
-              <a:rPr lang="en-GB" sz="1800" dirty="0"/>
-              <a:t>: right</a:t>
-            </a:r>
-          </a:p>
-          <a:p>
-            <a:pPr lvl="1"/>
-            <a:r>
-              <a:rPr lang="en-GB" sz="1800" u="sng" dirty="0"/>
-              <a:t>Yellow</a:t>
-            </a:r>
-            <a:r>
-              <a:rPr lang="en-GB" sz="1800" dirty="0"/>
-              <a:t>: left</a:t>
-            </a:r>
-          </a:p>
-          <a:p>
-            <a:pPr lvl="1"/>
-            <a:r>
-              <a:rPr lang="en-GB" sz="1800" u="sng" dirty="0"/>
-              <a:t>Green</a:t>
-            </a:r>
-            <a:r>
-              <a:rPr lang="en-GB" sz="1800" dirty="0"/>
-              <a:t>: backward</a:t>
-            </a:r>
-          </a:p>
-          <a:p>
-            <a:pPr lvl="1"/>
-            <a:r>
-              <a:rPr lang="en-GB" sz="1800" u="sng" dirty="0"/>
-              <a:t>Sky Blue</a:t>
-            </a:r>
-            <a:r>
-              <a:rPr lang="en-GB" sz="1800" dirty="0"/>
-              <a:t>: Auto mode</a:t>
-            </a:r>
-          </a:p>
-          <a:p>
-            <a:pPr lvl="1"/>
-            <a:r>
-              <a:rPr lang="en-GB" sz="1800" u="sng" dirty="0"/>
-              <a:t>Pink</a:t>
-            </a:r>
-            <a:r>
-              <a:rPr lang="en-GB" sz="1800" dirty="0"/>
-              <a:t>: Free mode</a:t>
-            </a:r>
-          </a:p>
-          <a:p>
-            <a:r>
-              <a:rPr lang="en-GB" sz="1800" dirty="0"/>
-              <a:t>Is there nay difference in operation when you robot works in polling mode and interrupt mode?</a:t>
-            </a:r>
-          </a:p>
-          <a:p>
-            <a:pPr lvl="1"/>
-            <a:r>
-              <a:rPr lang="en-GB" sz="1800" dirty="0"/>
-              <a:t>In Interrupt, the motor immediately stops(auto mode) or changes direction(free motion mode) when bump switch is hit</a:t>
-            </a:r>
-          </a:p>
-          <a:p>
-            <a:pPr lvl="1"/>
-            <a:r>
-              <a:rPr lang="en-GB" sz="1800" dirty="0"/>
-              <a:t>In Polling, the motor shows a delay when bump is pressed because the program only checks for the bump after the </a:t>
-            </a:r>
-            <a:r>
-              <a:rPr lang="en-GB" sz="1800" dirty="0" err="1"/>
+              <a:rPr lang="en-GB" sz="1800" dirty="0">
+                <a:solidFill>
+                  <a:schemeClr val="tx2">
+                    <a:lumMod val="50000"/>
+                  </a:schemeClr>
+                </a:solidFill>
+              </a:rPr>
+              <a:t>In Polling, the motor shows a delay </a:t>
+            </a:r>
+            <a:r>
+              <a:rPr lang="en-US" altLang="en-GB" sz="1800" dirty="0">
+                <a:solidFill>
+                  <a:schemeClr val="tx2">
+                    <a:lumMod val="50000"/>
+                  </a:schemeClr>
+                </a:solidFill>
+              </a:rPr>
+              <a:t>in stopping or change in direction </a:t>
+            </a:r>
+            <a:r>
+              <a:rPr lang="en-GB" sz="1800" dirty="0">
+                <a:solidFill>
+                  <a:schemeClr val="tx2">
+                    <a:lumMod val="50000"/>
+                  </a:schemeClr>
+                </a:solidFill>
+              </a:rPr>
+              <a:t>when bump is pressed because the program </a:t>
+            </a:r>
+            <a:r>
+              <a:rPr lang="en-US" altLang="en-GB" sz="1800" dirty="0">
+                <a:solidFill>
+                  <a:schemeClr val="tx2">
+                    <a:lumMod val="50000"/>
+                  </a:schemeClr>
+                </a:solidFill>
+              </a:rPr>
+              <a:t>runs the code sequentially, where it only </a:t>
+            </a:r>
+            <a:r>
+              <a:rPr lang="en-GB" sz="1800" dirty="0">
+                <a:solidFill>
+                  <a:schemeClr val="tx2">
+                    <a:lumMod val="50000"/>
+                  </a:schemeClr>
+                </a:solidFill>
+              </a:rPr>
+              <a:t>checks for the bump after the </a:t>
+            </a:r>
+            <a:r>
+              <a:rPr lang="en-GB" sz="1800" dirty="0" err="1">
+                <a:solidFill>
+                  <a:schemeClr val="tx2">
+                    <a:lumMod val="50000"/>
+                  </a:schemeClr>
+                </a:solidFill>
+              </a:rPr>
               <a:t>prefined</a:t>
             </a:r>
             <a:r>
-              <a:rPr lang="en-GB" sz="1800" dirty="0"/>
-              <a:t> loop is finished.</a:t>
-            </a:r>
+              <a:rPr lang="en-GB" sz="1800" dirty="0">
+                <a:solidFill>
+                  <a:schemeClr val="tx2">
+                    <a:lumMod val="50000"/>
+                  </a:schemeClr>
+                </a:solidFill>
+              </a:rPr>
+              <a:t> </a:t>
+            </a:r>
+            <a:r>
+              <a:rPr lang="en-US" altLang="en-GB" sz="1800" dirty="0">
+                <a:solidFill>
+                  <a:schemeClr val="tx2">
+                    <a:lumMod val="50000"/>
+                  </a:schemeClr>
+                </a:solidFill>
+              </a:rPr>
+              <a:t>route’s execution is finished for every loop.</a:t>
+            </a:r>
+            <a:endParaRPr lang="en-US" altLang="en-GB" sz="1800" dirty="0">
+              <a:solidFill>
+                <a:schemeClr val="tx2">
+                  <a:lumMod val="50000"/>
+                </a:schemeClr>
+              </a:solidFill>
+            </a:endParaRPr>
           </a:p>
         </p:txBody>
       </p:sp>
@@ -3961,10 +4951,6 @@
             </a:pPr>
             <a:fld id="{C9421E46-382C-4EE9-B45B-87761AE2BCD5}" type="slidenum">
               <a:rPr lang="en-GB" altLang="en-US" smtClean="0"/>
-              <a:pPr>
-                <a:defRPr/>
-              </a:pPr>
-              <a:t>3</a:t>
             </a:fld>
             <a:endParaRPr lang="en-GB" altLang="en-US" dirty="0"/>
           </a:p>
@@ -3990,21 +4976,12 @@
             </a:pPr>
             <a:fld id="{7EABAC35-51C5-4AC7-9255-2D72D8BB8FCD}" type="datetime4">
               <a:rPr lang="en-GB" smtClean="0"/>
-              <a:pPr>
-                <a:defRPr/>
-              </a:pPr>
-              <a:t>25 November 2022</a:t>
             </a:fld>
             <a:endParaRPr lang="en-GB" dirty="0"/>
           </a:p>
         </p:txBody>
       </p:sp>
     </p:spTree>
-    <p:extLst>
-      <p:ext uri="{BB962C8B-B14F-4D97-AF65-F5344CB8AC3E}">
-        <p14:creationId xmlns:p14="http://schemas.microsoft.com/office/powerpoint/2010/main" val="36538027"/>
-      </p:ext>
-    </p:extLst>
   </p:cSld>
   <p:clrMapOvr>
     <a:masterClrMapping/>
@@ -4048,6 +5025,7 @@
               <a:rPr lang="en-GB" dirty="0"/>
               <a:t>Interrupts</a:t>
             </a:r>
+            <a:endParaRPr lang="en-GB" dirty="0"/>
           </a:p>
         </p:txBody>
       </p:sp>
@@ -4070,57 +5048,311 @@
               <a:rPr lang="en-GB" dirty="0"/>
               <a:t>How do you implement operation of robot with polling? Why?</a:t>
             </a:r>
+            <a:endParaRPr lang="en-GB" dirty="0"/>
           </a:p>
           <a:p>
             <a:pPr lvl="1"/>
             <a:r>
-              <a:rPr lang="en-GB" dirty="0"/>
-              <a:t>Using a while loop that sequentially runs for instructions that is given.</a:t>
-            </a:r>
+              <a:rPr lang="en-US" altLang="en-GB" sz="1600" dirty="0">
+                <a:solidFill>
+                  <a:schemeClr val="tx2">
+                    <a:lumMod val="50000"/>
+                  </a:schemeClr>
+                </a:solidFill>
+              </a:rPr>
+              <a:t>First, turn off the interrupt handler function by using DisableInterrupt()</a:t>
+            </a:r>
+            <a:endParaRPr lang="en-GB" sz="1600" dirty="0">
+              <a:solidFill>
+                <a:schemeClr val="tx2">
+                  <a:lumMod val="50000"/>
+                </a:schemeClr>
+              </a:solidFill>
+            </a:endParaRPr>
           </a:p>
           <a:p>
             <a:pPr lvl="1"/>
             <a:r>
-              <a:rPr lang="en-GB" dirty="0"/>
-              <a:t>And checks the bump switch one by one to see if it has hit something.</a:t>
-            </a:r>
+              <a:rPr lang="en-GB" sz="1600" dirty="0">
+                <a:solidFill>
+                  <a:schemeClr val="tx2">
+                    <a:lumMod val="50000"/>
+                  </a:schemeClr>
+                </a:solidFill>
+              </a:rPr>
+              <a:t>Using a</a:t>
+            </a:r>
+            <a:r>
+              <a:rPr lang="en-US" altLang="en-GB" sz="1600" dirty="0">
+                <a:solidFill>
+                  <a:schemeClr val="tx2">
+                    <a:lumMod val="50000"/>
+                  </a:schemeClr>
+                </a:solidFill>
+              </a:rPr>
+              <a:t>n</a:t>
+            </a:r>
+            <a:r>
+              <a:rPr lang="en-GB" sz="1600" dirty="0">
+                <a:solidFill>
+                  <a:schemeClr val="tx2">
+                    <a:lumMod val="50000"/>
+                  </a:schemeClr>
+                </a:solidFill>
+              </a:rPr>
+              <a:t> </a:t>
+            </a:r>
+            <a:r>
+              <a:rPr lang="en-US" altLang="en-GB" sz="1600" dirty="0">
+                <a:solidFill>
+                  <a:schemeClr val="tx2">
+                    <a:lumMod val="50000"/>
+                  </a:schemeClr>
+                </a:solidFill>
+              </a:rPr>
+              <a:t>infinite </a:t>
+            </a:r>
+            <a:r>
+              <a:rPr lang="en-GB" sz="1600" dirty="0">
+                <a:solidFill>
+                  <a:schemeClr val="tx2">
+                    <a:lumMod val="50000"/>
+                  </a:schemeClr>
+                </a:solidFill>
+              </a:rPr>
+              <a:t>while loop that </a:t>
+            </a:r>
+            <a:r>
+              <a:rPr lang="en-US" altLang="en-GB" sz="1600" dirty="0">
+                <a:solidFill>
+                  <a:schemeClr val="tx2">
+                    <a:lumMod val="50000"/>
+                  </a:schemeClr>
+                </a:solidFill>
+              </a:rPr>
+              <a:t>runs the code sequentially (checks for bump...runs predefined loop..checks for bump again, runs predefined loop again...)</a:t>
+            </a:r>
+            <a:endParaRPr lang="en-GB" sz="1600" dirty="0">
+              <a:solidFill>
+                <a:schemeClr val="tx2">
+                  <a:lumMod val="50000"/>
+                </a:schemeClr>
+              </a:solidFill>
+            </a:endParaRPr>
+          </a:p>
+          <a:p>
+            <a:pPr lvl="1"/>
+            <a:r>
+              <a:rPr lang="en-US" altLang="en-GB" sz="1600" dirty="0">
+                <a:solidFill>
+                  <a:schemeClr val="tx2">
+                    <a:lumMod val="50000"/>
+                  </a:schemeClr>
+                </a:solidFill>
+              </a:rPr>
+              <a:t>When </a:t>
+            </a:r>
+            <a:r>
+              <a:rPr lang="en-GB" sz="1600" dirty="0">
+                <a:solidFill>
+                  <a:schemeClr val="tx2">
+                    <a:lumMod val="50000"/>
+                  </a:schemeClr>
+                </a:solidFill>
+              </a:rPr>
+              <a:t>check</a:t>
+            </a:r>
+            <a:r>
+              <a:rPr lang="en-US" altLang="en-GB" sz="1600" dirty="0">
+                <a:solidFill>
+                  <a:schemeClr val="tx2">
+                    <a:lumMod val="50000"/>
+                  </a:schemeClr>
+                </a:solidFill>
+              </a:rPr>
+              <a:t>ing</a:t>
+            </a:r>
+            <a:r>
+              <a:rPr lang="en-GB" sz="1600" dirty="0">
+                <a:solidFill>
+                  <a:schemeClr val="tx2">
+                    <a:lumMod val="50000"/>
+                  </a:schemeClr>
+                </a:solidFill>
+              </a:rPr>
+              <a:t> bump switch</a:t>
+            </a:r>
+            <a:r>
+              <a:rPr lang="en-US" altLang="en-GB" sz="1600" dirty="0">
+                <a:solidFill>
+                  <a:schemeClr val="tx2">
+                    <a:lumMod val="50000"/>
+                  </a:schemeClr>
+                </a:solidFill>
+              </a:rPr>
+              <a:t>es, it checks bump 1-6</a:t>
+            </a:r>
+            <a:r>
+              <a:rPr lang="en-GB" sz="1600" dirty="0">
+                <a:solidFill>
+                  <a:schemeClr val="tx2">
+                    <a:lumMod val="50000"/>
+                  </a:schemeClr>
+                </a:solidFill>
+              </a:rPr>
+              <a:t> one by one.</a:t>
+            </a:r>
+            <a:endParaRPr lang="en-GB" sz="1600" dirty="0">
+              <a:solidFill>
+                <a:schemeClr val="tx2">
+                  <a:lumMod val="50000"/>
+                </a:schemeClr>
+              </a:solidFill>
+            </a:endParaRPr>
           </a:p>
           <a:p>
             <a:r>
               <a:rPr lang="en-GB" dirty="0"/>
               <a:t>How do you implement operation of robot with interrupts? Why?</a:t>
             </a:r>
+            <a:endParaRPr lang="en-GB" dirty="0"/>
           </a:p>
           <a:p>
             <a:pPr lvl="1"/>
             <a:r>
-              <a:rPr lang="en-GB" dirty="0"/>
-              <a:t>Using a while loop that continuously runs the predefined route and immediately stops the current process to deal with interrupt when interrupt arises, and when interrupt is finished, return to the execution of the predefined route.</a:t>
-            </a:r>
+              <a:rPr lang="en-US" altLang="en-GB" sz="1600" dirty="0">
+                <a:solidFill>
+                  <a:schemeClr val="tx2">
+                    <a:lumMod val="50000"/>
+                  </a:schemeClr>
+                </a:solidFill>
+              </a:rPr>
+              <a:t>First, turn on the interrupt handler function by using EnableInterrupt()</a:t>
+            </a:r>
+            <a:endParaRPr lang="en-GB" sz="1600" dirty="0">
+              <a:solidFill>
+                <a:schemeClr val="tx2">
+                  <a:lumMod val="50000"/>
+                </a:schemeClr>
+              </a:solidFill>
+            </a:endParaRPr>
+          </a:p>
+          <a:p>
+            <a:pPr lvl="1"/>
+            <a:r>
+              <a:rPr lang="en-GB" sz="1600" dirty="0">
+                <a:solidFill>
+                  <a:schemeClr val="tx2">
+                    <a:lumMod val="50000"/>
+                  </a:schemeClr>
+                </a:solidFill>
+              </a:rPr>
+              <a:t>Using a</a:t>
+            </a:r>
+            <a:r>
+              <a:rPr lang="en-US" altLang="en-GB" sz="1600" dirty="0">
+                <a:solidFill>
+                  <a:schemeClr val="tx2">
+                    <a:lumMod val="50000"/>
+                  </a:schemeClr>
+                </a:solidFill>
+              </a:rPr>
+              <a:t>n infinite</a:t>
+            </a:r>
+            <a:r>
+              <a:rPr lang="en-GB" sz="1600" dirty="0">
+                <a:solidFill>
+                  <a:schemeClr val="tx2">
+                    <a:lumMod val="50000"/>
+                  </a:schemeClr>
+                </a:solidFill>
+              </a:rPr>
+              <a:t>while loop that runs the predefined route</a:t>
+            </a:r>
+            <a:endParaRPr lang="en-GB" sz="1600" dirty="0">
+              <a:solidFill>
+                <a:schemeClr val="tx2">
+                  <a:lumMod val="50000"/>
+                </a:schemeClr>
+              </a:solidFill>
+            </a:endParaRPr>
+          </a:p>
+          <a:p>
+            <a:pPr lvl="1"/>
+            <a:r>
+              <a:rPr lang="en-US" altLang="en-GB" sz="1600" dirty="0">
+                <a:solidFill>
+                  <a:schemeClr val="tx2">
+                    <a:lumMod val="50000"/>
+                  </a:schemeClr>
+                </a:solidFill>
+              </a:rPr>
+              <a:t>When a bump switch is detected as pressed, immediately goes to the PORT4_IRQHandler function and stops or change direction.</a:t>
+            </a:r>
+            <a:endParaRPr lang="en-US" altLang="en-GB" sz="1600" dirty="0">
+              <a:solidFill>
+                <a:schemeClr val="tx2">
+                  <a:lumMod val="50000"/>
+                </a:schemeClr>
+              </a:solidFill>
+            </a:endParaRPr>
           </a:p>
           <a:p>
             <a:r>
               <a:rPr lang="en-GB" dirty="0"/>
               <a:t>How have you kept the ISRs minimal?</a:t>
             </a:r>
+            <a:endParaRPr lang="en-GB" dirty="0"/>
           </a:p>
           <a:p>
             <a:pPr lvl="1"/>
             <a:r>
-              <a:rPr lang="en-GB" dirty="0"/>
+              <a:rPr lang="en-GB" sz="1600" dirty="0">
+                <a:solidFill>
+                  <a:schemeClr val="tx2">
+                    <a:lumMod val="50000"/>
+                  </a:schemeClr>
+                </a:solidFill>
+              </a:rPr>
               <a:t>Clear and memory stack after each interrupt</a:t>
             </a:r>
+            <a:endParaRPr lang="en-GB" sz="1600" dirty="0">
+              <a:solidFill>
+                <a:schemeClr val="tx2">
+                  <a:lumMod val="50000"/>
+                </a:schemeClr>
+              </a:solidFill>
+            </a:endParaRPr>
           </a:p>
           <a:p>
             <a:pPr lvl="1"/>
             <a:r>
-              <a:rPr lang="en-GB"/>
+              <a:rPr lang="en-GB" sz="1600">
+                <a:solidFill>
+                  <a:schemeClr val="tx2">
+                    <a:lumMod val="50000"/>
+                  </a:schemeClr>
+                </a:solidFill>
+              </a:rPr>
               <a:t>Disable </a:t>
             </a:r>
             <a:r>
-              <a:rPr lang="en-GB" dirty="0"/>
+              <a:rPr lang="en-GB" sz="1600" dirty="0">
+                <a:solidFill>
+                  <a:schemeClr val="tx2">
+                    <a:lumMod val="50000"/>
+                  </a:schemeClr>
+                </a:solidFill>
+              </a:rPr>
               <a:t>interrupt when polling is used</a:t>
             </a:r>
+            <a:endParaRPr lang="en-GB" sz="1600" dirty="0">
+              <a:solidFill>
+                <a:schemeClr val="tx2">
+                  <a:lumMod val="50000"/>
+                </a:schemeClr>
+              </a:solidFill>
+            </a:endParaRPr>
           </a:p>
         </p:txBody>
       </p:sp>
@@ -4144,10 +5376,6 @@
             </a:pPr>
             <a:fld id="{C9421E46-382C-4EE9-B45B-87761AE2BCD5}" type="slidenum">
               <a:rPr lang="en-GB" altLang="en-US" smtClean="0"/>
-              <a:pPr>
-                <a:defRPr/>
-              </a:pPr>
-              <a:t>4</a:t>
             </a:fld>
             <a:endParaRPr lang="en-GB" altLang="en-US" dirty="0"/>
           </a:p>
@@ -4173,21 +5401,12 @@
             </a:pPr>
             <a:fld id="{7EABAC35-51C5-4AC7-9255-2D72D8BB8FCD}" type="datetime4">
               <a:rPr lang="en-GB" smtClean="0"/>
-              <a:pPr>
-                <a:defRPr/>
-              </a:pPr>
-              <a:t>25 November 2022</a:t>
             </a:fld>
             <a:endParaRPr lang="en-GB" dirty="0"/>
           </a:p>
         </p:txBody>
       </p:sp>
     </p:spTree>
-    <p:extLst>
-      <p:ext uri="{BB962C8B-B14F-4D97-AF65-F5344CB8AC3E}">
-        <p14:creationId xmlns:p14="http://schemas.microsoft.com/office/powerpoint/2010/main" val="1857466499"/>
-      </p:ext>
-    </p:extLst>
   </p:cSld>
   <p:clrMapOvr>
     <a:masterClrMapping/>
@@ -4231,6 +5450,7 @@
               <a:rPr lang="en-GB" dirty="0"/>
               <a:t>Delays</a:t>
             </a:r>
+            <a:endParaRPr lang="en-GB" dirty="0"/>
           </a:p>
         </p:txBody>
       </p:sp>
@@ -4253,39 +5473,190 @@
               <a:rPr lang="en-GB" dirty="0"/>
               <a:t>Where have delays been used? Why?</a:t>
             </a:r>
+            <a:endParaRPr lang="en-GB" dirty="0"/>
           </a:p>
           <a:p>
             <a:pPr lvl="1"/>
             <a:r>
-              <a:rPr lang="en-GB" dirty="0"/>
+              <a:rPr lang="en-GB" dirty="0">
+                <a:solidFill>
+                  <a:schemeClr val="tx2">
+                    <a:lumMod val="50000"/>
+                  </a:schemeClr>
+                </a:solidFill>
+              </a:rPr>
               <a:t>In the </a:t>
             </a:r>
             <a:r>
-              <a:rPr lang="en-GB" dirty="0" err="1"/>
+              <a:rPr lang="en-GB" dirty="0" err="1">
+                <a:solidFill>
+                  <a:schemeClr val="tx2">
+                    <a:lumMod val="50000"/>
+                  </a:schemeClr>
+                </a:solidFill>
+              </a:rPr>
               <a:t>mode_selection</a:t>
             </a:r>
             <a:r>
-              <a:rPr lang="en-GB" dirty="0"/>
-              <a:t> function, to wait for user to input select mode.</a:t>
-            </a:r>
-          </a:p>
-          <a:p>
-            <a:pPr lvl="2"/>
-            <a:r>
-              <a:rPr lang="en-GB" dirty="0"/>
-              <a:t>To prevent the user pressing too fast when selecting mode.</a:t>
-            </a:r>
+              <a:rPr lang="en-GB" dirty="0">
+                <a:solidFill>
+                  <a:schemeClr val="tx2">
+                    <a:lumMod val="50000"/>
+                  </a:schemeClr>
+                </a:solidFill>
+              </a:rPr>
+              <a:t> function, </a:t>
+            </a:r>
+            <a:r>
+              <a:rPr lang="en-US" altLang="en-GB" dirty="0">
+                <a:solidFill>
+                  <a:schemeClr val="tx2">
+                    <a:lumMod val="50000"/>
+                  </a:schemeClr>
+                </a:solidFill>
+              </a:rPr>
+              <a:t>SysTick_Wait10ms(100) is used </a:t>
+            </a:r>
+            <a:r>
+              <a:rPr lang="en-GB" dirty="0">
+                <a:solidFill>
+                  <a:schemeClr val="tx2">
+                    <a:lumMod val="50000"/>
+                  </a:schemeClr>
+                </a:solidFill>
+              </a:rPr>
+              <a:t>to </a:t>
+            </a:r>
+            <a:r>
+              <a:rPr lang="en-GB" dirty="0">
+                <a:solidFill>
+                  <a:schemeClr val="tx2">
+                    <a:lumMod val="50000"/>
+                  </a:schemeClr>
+                </a:solidFill>
+                <a:sym typeface="+mn-ea"/>
+              </a:rPr>
+              <a:t>prevent the user pressing too fast </a:t>
+            </a:r>
+            <a:r>
+              <a:rPr lang="en-US" altLang="en-GB" dirty="0">
+                <a:solidFill>
+                  <a:schemeClr val="tx2">
+                    <a:lumMod val="50000"/>
+                  </a:schemeClr>
+                </a:solidFill>
+                <a:sym typeface="+mn-ea"/>
+              </a:rPr>
+              <a:t>between the first time and the second time when selecting modes</a:t>
+            </a:r>
+            <a:r>
+              <a:rPr lang="en-GB" dirty="0">
+                <a:solidFill>
+                  <a:schemeClr val="tx2">
+                    <a:lumMod val="50000"/>
+                  </a:schemeClr>
+                </a:solidFill>
+                <a:sym typeface="+mn-ea"/>
+              </a:rPr>
+              <a:t>.</a:t>
+            </a:r>
+            <a:endParaRPr lang="en-GB" dirty="0">
+              <a:solidFill>
+                <a:schemeClr val="tx2">
+                  <a:lumMod val="50000"/>
+                </a:schemeClr>
+              </a:solidFill>
+            </a:endParaRPr>
           </a:p>
           <a:p>
             <a:pPr lvl="1"/>
             <a:r>
-              <a:rPr lang="en-GB" dirty="0"/>
-              <a:t>Also used when changing direction, to slow down the turning process.</a:t>
-            </a:r>
-          </a:p>
-          <a:p>
-            <a:pPr lvl="1"/>
-            <a:endParaRPr lang="en-GB" dirty="0"/>
+              <a:rPr lang="en-US" altLang="en-GB" dirty="0">
+                <a:solidFill>
+                  <a:schemeClr val="tx2">
+                    <a:lumMod val="50000"/>
+                  </a:schemeClr>
+                </a:solidFill>
+              </a:rPr>
+              <a:t>U</a:t>
+            </a:r>
+            <a:r>
+              <a:rPr lang="en-GB" dirty="0">
+                <a:solidFill>
+                  <a:schemeClr val="tx2">
+                    <a:lumMod val="50000"/>
+                  </a:schemeClr>
+                </a:solidFill>
+              </a:rPr>
+              <a:t>sed </a:t>
+            </a:r>
+            <a:r>
+              <a:rPr lang="en-US" altLang="en-GB" dirty="0">
+                <a:solidFill>
+                  <a:schemeClr val="tx2">
+                    <a:lumMod val="50000"/>
+                  </a:schemeClr>
+                </a:solidFill>
+              </a:rPr>
+              <a:t>in mode 3 and 4 </a:t>
+            </a:r>
+            <a:r>
+              <a:rPr lang="en-GB" dirty="0">
+                <a:solidFill>
+                  <a:schemeClr val="tx2">
+                    <a:lumMod val="50000"/>
+                  </a:schemeClr>
+                </a:solidFill>
+              </a:rPr>
+              <a:t>when changing direction</a:t>
+            </a:r>
+            <a:r>
+              <a:rPr lang="en-US" altLang="en-GB" dirty="0">
+                <a:solidFill>
+                  <a:schemeClr val="tx2">
+                    <a:lumMod val="50000"/>
+                  </a:schemeClr>
+                </a:solidFill>
+              </a:rPr>
+              <a:t> of the robot</a:t>
+            </a:r>
+            <a:r>
+              <a:rPr lang="en-GB" dirty="0">
+                <a:solidFill>
+                  <a:schemeClr val="tx2">
+                    <a:lumMod val="50000"/>
+                  </a:schemeClr>
+                </a:solidFill>
+              </a:rPr>
+              <a:t>, </a:t>
+            </a:r>
+            <a:r>
+              <a:rPr lang="en-US" altLang="en-GB" dirty="0">
+                <a:solidFill>
+                  <a:schemeClr val="tx2">
+                    <a:lumMod val="50000"/>
+                  </a:schemeClr>
+                </a:solidFill>
+              </a:rPr>
+              <a:t>Motor_StopSimple(25) is used </a:t>
+            </a:r>
+            <a:r>
+              <a:rPr lang="en-GB" dirty="0">
+                <a:solidFill>
+                  <a:schemeClr val="tx2">
+                    <a:lumMod val="50000"/>
+                  </a:schemeClr>
+                </a:solidFill>
+              </a:rPr>
+              <a:t>to slow down the turning process.</a:t>
+            </a:r>
+            <a:endParaRPr lang="en-GB" dirty="0">
+              <a:solidFill>
+                <a:schemeClr val="tx2">
+                  <a:lumMod val="50000"/>
+                </a:schemeClr>
+              </a:solidFill>
+            </a:endParaRPr>
           </a:p>
         </p:txBody>
       </p:sp>
@@ -4309,10 +5680,6 @@
             </a:pPr>
             <a:fld id="{C9421E46-382C-4EE9-B45B-87761AE2BCD5}" type="slidenum">
               <a:rPr lang="en-GB" altLang="en-US" smtClean="0"/>
-              <a:pPr>
-                <a:defRPr/>
-              </a:pPr>
-              <a:t>5</a:t>
             </a:fld>
             <a:endParaRPr lang="en-GB" altLang="en-US" dirty="0"/>
           </a:p>
@@ -4338,21 +5705,12 @@
             </a:pPr>
             <a:fld id="{7EABAC35-51C5-4AC7-9255-2D72D8BB8FCD}" type="datetime4">
               <a:rPr lang="en-GB" smtClean="0"/>
-              <a:pPr>
-                <a:defRPr/>
-              </a:pPr>
-              <a:t>25 November 2022</a:t>
             </a:fld>
             <a:endParaRPr lang="en-GB" dirty="0"/>
           </a:p>
         </p:txBody>
       </p:sp>
     </p:spTree>
-    <p:extLst>
-      <p:ext uri="{BB962C8B-B14F-4D97-AF65-F5344CB8AC3E}">
-        <p14:creationId xmlns:p14="http://schemas.microsoft.com/office/powerpoint/2010/main" val="3699767734"/>
-      </p:ext>
-    </p:extLst>
   </p:cSld>
   <p:clrMapOvr>
     <a:masterClrMapping/>
@@ -4387,7 +5745,12 @@
             <p:ph type="title"/>
           </p:nvPr>
         </p:nvSpPr>
-        <p:spPr/>
+        <p:spPr>
+          <a:xfrm>
+            <a:off x="240675" y="621194"/>
+            <a:ext cx="8651806" cy="576064"/>
+          </a:xfrm>
+        </p:spPr>
         <p:txBody>
           <a:bodyPr>
             <a:normAutofit/>
@@ -4398,6 +5761,7 @@
               <a:rPr lang="en-GB" dirty="0"/>
               <a:t>CPU Usage</a:t>
             </a:r>
+            <a:endParaRPr lang="en-GB" dirty="0"/>
           </a:p>
         </p:txBody>
       </p:sp>
@@ -4411,18 +5775,21 @@
             <p:ph idx="1"/>
           </p:nvPr>
         </p:nvSpPr>
-        <p:spPr/>
+        <p:spPr>
+          <a:xfrm>
+            <a:off x="225485" y="1124486"/>
+            <a:ext cx="8640960" cy="4968552"/>
+          </a:xfrm>
+        </p:spPr>
         <p:txBody>
           <a:bodyPr/>
           <a:lstStyle/>
           <a:p>
             <a:r>
-              <a:rPr lang="en-GB" dirty="0"/>
-              <a:t>How have you measured the CPU utilization?</a:t>
-            </a:r>
-          </a:p>
-          <a:p>
-            <a:endParaRPr lang="en-GB" dirty="0"/>
+              <a:rPr lang="en-US" altLang="en-GB" sz="1600" dirty="0"/>
+              <a:t>Latency between main function and Port4_IRQHandler function (27 clock cycles)</a:t>
+            </a:r>
+            <a:endParaRPr lang="en-US" altLang="en-GB" sz="1600" dirty="0"/>
           </a:p>
         </p:txBody>
       </p:sp>
@@ -4446,10 +5813,6 @@
             </a:pPr>
             <a:fld id="{C9421E46-382C-4EE9-B45B-87761AE2BCD5}" type="slidenum">
               <a:rPr lang="en-GB" altLang="en-US" smtClean="0"/>
-              <a:pPr>
-                <a:defRPr/>
-              </a:pPr>
-              <a:t>6</a:t>
             </a:fld>
             <a:endParaRPr lang="en-GB" altLang="en-US" dirty="0"/>
           </a:p>
@@ -4475,10 +5838,6 @@
             </a:pPr>
             <a:fld id="{7EABAC35-51C5-4AC7-9255-2D72D8BB8FCD}" type="datetime4">
               <a:rPr lang="en-GB" smtClean="0"/>
-              <a:pPr>
-                <a:defRPr/>
-              </a:pPr>
-              <a:t>25 November 2022</a:t>
             </a:fld>
             <a:endParaRPr lang="en-GB" dirty="0"/>
           </a:p>
@@ -4486,28 +5845,23 @@
       </p:sp>
       <p:pic>
         <p:nvPicPr>
-          <p:cNvPr id="7" name="Picture 6">
-            <a:extLst>
-              <a:ext uri="{FF2B5EF4-FFF2-40B4-BE49-F238E27FC236}">
-                <a16:creationId xmlns:a16="http://schemas.microsoft.com/office/drawing/2014/main" id="{6EB56868-FD91-548A-F4E2-D9D5F63FF8C3}"/>
-              </a:ext>
-            </a:extLst>
-          </p:cNvPr>
+          <p:cNvPr id="7" name="Picture 6"/>
           <p:cNvPicPr>
             <a:picLocks noChangeAspect="1"/>
           </p:cNvPicPr>
           <p:nvPr/>
         </p:nvPicPr>
         <p:blipFill>
-          <a:blip r:embed="rId2"/>
+          <a:blip r:embed="rId1"/>
+          <a:srcRect b="3837"/>
           <a:stretch>
             <a:fillRect/>
           </a:stretch>
         </p:blipFill>
         <p:spPr>
           <a:xfrm>
-            <a:off x="-8935" y="1749943"/>
-            <a:ext cx="9144000" cy="5143500"/>
+            <a:off x="35560" y="1412240"/>
+            <a:ext cx="9121140" cy="5426710"/>
           </a:xfrm>
           <a:prstGeom prst="rect">
             <a:avLst/>
@@ -4515,11 +5869,6 @@
         </p:spPr>
       </p:pic>
     </p:spTree>
-    <p:extLst>
-      <p:ext uri="{BB962C8B-B14F-4D97-AF65-F5344CB8AC3E}">
-        <p14:creationId xmlns:p14="http://schemas.microsoft.com/office/powerpoint/2010/main" val="4225268128"/>
-      </p:ext>
-    </p:extLst>
   </p:cSld>
   <p:clrMapOvr>
     <a:masterClrMapping/>
@@ -4554,7 +5903,12 @@
             <p:ph type="title"/>
           </p:nvPr>
         </p:nvSpPr>
-        <p:spPr/>
+        <p:spPr>
+          <a:xfrm>
+            <a:off x="245755" y="620559"/>
+            <a:ext cx="8651806" cy="576064"/>
+          </a:xfrm>
+        </p:spPr>
         <p:txBody>
           <a:bodyPr>
             <a:normAutofit/>
@@ -4565,6 +5919,7 @@
               <a:rPr lang="en-GB" dirty="0"/>
               <a:t>CPU Usage</a:t>
             </a:r>
+            <a:endParaRPr lang="en-GB" dirty="0"/>
           </a:p>
         </p:txBody>
       </p:sp>
@@ -4578,18 +5933,21 @@
             <p:ph idx="1"/>
           </p:nvPr>
         </p:nvSpPr>
-        <p:spPr/>
+        <p:spPr>
+          <a:xfrm>
+            <a:off x="179765" y="1052731"/>
+            <a:ext cx="8640960" cy="4968552"/>
+          </a:xfrm>
+        </p:spPr>
         <p:txBody>
           <a:bodyPr/>
           <a:lstStyle/>
           <a:p>
             <a:r>
-              <a:rPr lang="en-GB" dirty="0"/>
-              <a:t>How have you measured the CPU utilization?</a:t>
-            </a:r>
-          </a:p>
-          <a:p>
-            <a:endParaRPr lang="en-GB" dirty="0"/>
+              <a:rPr lang="en-US" altLang="en-GB" sz="1600" dirty="0"/>
+              <a:t>Latency between main function and checkbumpswtich function (295 clock cycles)</a:t>
+            </a:r>
+            <a:endParaRPr lang="en-US" altLang="en-GB" sz="1600" dirty="0"/>
           </a:p>
         </p:txBody>
       </p:sp>
@@ -4613,10 +5971,6 @@
             </a:pPr>
             <a:fld id="{C9421E46-382C-4EE9-B45B-87761AE2BCD5}" type="slidenum">
               <a:rPr lang="en-GB" altLang="en-US" smtClean="0"/>
-              <a:pPr>
-                <a:defRPr/>
-              </a:pPr>
-              <a:t>7</a:t>
             </a:fld>
             <a:endParaRPr lang="en-GB" altLang="en-US" dirty="0"/>
           </a:p>
@@ -4642,10 +5996,6 @@
             </a:pPr>
             <a:fld id="{7EABAC35-51C5-4AC7-9255-2D72D8BB8FCD}" type="datetime4">
               <a:rPr lang="en-GB" smtClean="0"/>
-              <a:pPr>
-                <a:defRPr/>
-              </a:pPr>
-              <a:t>25 November 2022</a:t>
             </a:fld>
             <a:endParaRPr lang="en-GB" dirty="0"/>
           </a:p>
@@ -4653,28 +6003,23 @@
       </p:sp>
       <p:pic>
         <p:nvPicPr>
-          <p:cNvPr id="8" name="Picture 7">
-            <a:extLst>
-              <a:ext uri="{FF2B5EF4-FFF2-40B4-BE49-F238E27FC236}">
-                <a16:creationId xmlns:a16="http://schemas.microsoft.com/office/drawing/2014/main" id="{6045DC41-AC7E-3B74-7C3D-7C9817B0130E}"/>
-              </a:ext>
-            </a:extLst>
-          </p:cNvPr>
+          <p:cNvPr id="8" name="Picture 7"/>
           <p:cNvPicPr>
             <a:picLocks noChangeAspect="1"/>
           </p:cNvPicPr>
           <p:nvPr/>
         </p:nvPicPr>
         <p:blipFill>
-          <a:blip r:embed="rId3"/>
+          <a:blip r:embed="rId1"/>
+          <a:srcRect b="4128"/>
           <a:stretch>
             <a:fillRect/>
           </a:stretch>
         </p:blipFill>
         <p:spPr>
           <a:xfrm>
-            <a:off x="0" y="1729992"/>
-            <a:ext cx="9144000" cy="5143500"/>
+            <a:off x="0" y="1341120"/>
+            <a:ext cx="9144000" cy="5473065"/>
           </a:xfrm>
           <a:prstGeom prst="rect">
             <a:avLst/>
@@ -4682,16 +6027,18 @@
         </p:spPr>
       </p:pic>
     </p:spTree>
-    <p:extLst>
-      <p:ext uri="{BB962C8B-B14F-4D97-AF65-F5344CB8AC3E}">
-        <p14:creationId xmlns:p14="http://schemas.microsoft.com/office/powerpoint/2010/main" val="3567986211"/>
-      </p:ext>
-    </p:extLst>
   </p:cSld>
   <p:clrMapOvr>
     <a:masterClrMapping/>
   </p:clrMapOvr>
 </p:sld>
+</file>
+
+<file path=ppt/tags/tag1.xml><?xml version="1.0" encoding="utf-8"?>
+<p:tagLst xmlns:p="http://schemas.openxmlformats.org/presentationml/2006/main">
+  <p:tag name="KSO_WPP_MARK_KEY" val="f94101c2-2a48-4ea9-82ed-2987e67bd8a2"/>
+  <p:tag name="COMMONDATA" val="eyJoZGlkIjoiODc3ZTQwM2VmMWIyNDc0NTFmMmRmYTk1OGMzYzlmZDcifQ=="/>
+</p:tagLst>
 </file>
 
 <file path=ppt/theme/theme1.xml><?xml version="1.0" encoding="utf-8"?>
@@ -4972,8 +6319,11 @@
       </a:bgFillStyleLst>
     </a:fmtScheme>
   </a:themeElements>
-  <a:objectDefaults/>
-  <a:extraClrSchemeLst/>
+  <a:extLst>
+    <a:ext uri="{05A4C25C-085E-4340-85A3-A5531E510DB2}">
+      <thm15:themeFamily xmlns:thm15="http://schemas.microsoft.com/office/thememl/2012/main" name="Office Theme" id="{62F939B6-93AF-4DB8-9C6B-D6C7DFDC589F}" vid="{4A3C46E8-61CC-4603-A589-7422A47A8E4A}"/>
+    </a:ext>
+  </a:extLst>
 </a:theme>
 </file>
 
@@ -5255,8 +6605,11 @@
       </a:bgFillStyleLst>
     </a:fmtScheme>
   </a:themeElements>
-  <a:objectDefaults/>
-  <a:extraClrSchemeLst/>
+  <a:extLst>
+    <a:ext uri="{05A4C25C-085E-4340-85A3-A5531E510DB2}">
+      <thm15:themeFamily xmlns:thm15="http://schemas.microsoft.com/office/thememl/2012/main" name="Office Theme" id="{62F939B6-93AF-4DB8-9C6B-D6C7DFDC589F}" vid="{4A3C46E8-61CC-4603-A589-7422A47A8E4A}"/>
+    </a:ext>
+  </a:extLst>
 </a:theme>
 </file>
 
@@ -5538,241 +6891,10 @@
       </a:bgFillStyleLst>
     </a:fmtScheme>
   </a:themeElements>
-  <a:objectDefaults/>
-  <a:extraClrSchemeLst/>
+  <a:extLst>
+    <a:ext uri="{05A4C25C-085E-4340-85A3-A5531E510DB2}">
+      <thm15:themeFamily xmlns:thm15="http://schemas.microsoft.com/office/thememl/2012/main" name="Office Theme" id="{62F939B6-93AF-4DB8-9C6B-D6C7DFDC589F}" vid="{4A3C46E8-61CC-4603-A589-7422A47A8E4A}"/>
+    </a:ext>
+  </a:extLst>
 </a:theme>
-</file>
-
-<file path=customXml/item1.xml><?xml version="1.0" encoding="utf-8"?>
-<ct:contentTypeSchema xmlns:ct="http://schemas.microsoft.com/office/2006/metadata/contentType" xmlns:ma="http://schemas.microsoft.com/office/2006/metadata/properties/metaAttributes" ct:_="" ma:_="" ma:contentTypeName="Document" ma:contentTypeID="0x0101000113C0587C9F874186C9B425FB10BA48" ma:contentTypeVersion="7" ma:contentTypeDescription="Create a new document." ma:contentTypeScope="" ma:versionID="7ced7e8c1650625d1498c6550966367c">
-  <xsd:schema xmlns:xsd="http://www.w3.org/2001/XMLSchema" xmlns:xs="http://www.w3.org/2001/XMLSchema" xmlns:p="http://schemas.microsoft.com/office/2006/metadata/properties" xmlns:ns2="1d6f4c64-016f-4dd2-938b-ad97c78a9044" xmlns:ns3="b0a4f539-48d0-4a69-82f2-fb42d29f3443" targetNamespace="http://schemas.microsoft.com/office/2006/metadata/properties" ma:root="true" ma:fieldsID="849f0b7a0cc1aa889fb45724e52adeb6" ns2:_="" ns3:_="">
-    <xsd:import namespace="1d6f4c64-016f-4dd2-938b-ad97c78a9044"/>
-    <xsd:import namespace="b0a4f539-48d0-4a69-82f2-fb42d29f3443"/>
-    <xsd:element name="properties">
-      <xsd:complexType>
-        <xsd:sequence>
-          <xsd:element name="documentManagement">
-            <xsd:complexType>
-              <xsd:all>
-                <xsd:element ref="ns2:MediaServiceMetadata" minOccurs="0"/>
-                <xsd:element ref="ns2:MediaServiceFastMetadata" minOccurs="0"/>
-                <xsd:element ref="ns2:MediaServiceDateTaken" minOccurs="0"/>
-                <xsd:element ref="ns2:MediaServiceAutoTags" minOccurs="0"/>
-                <xsd:element ref="ns2:MediaServiceLocation" minOccurs="0"/>
-                <xsd:element ref="ns3:SharedWithUsers" minOccurs="0"/>
-                <xsd:element ref="ns3:SharedWithDetails" minOccurs="0"/>
-              </xsd:all>
-            </xsd:complexType>
-          </xsd:element>
-        </xsd:sequence>
-      </xsd:complexType>
-    </xsd:element>
-  </xsd:schema>
-  <xsd:schema xmlns:xsd="http://www.w3.org/2001/XMLSchema" xmlns:xs="http://www.w3.org/2001/XMLSchema" xmlns:dms="http://schemas.microsoft.com/office/2006/documentManagement/types" xmlns:pc="http://schemas.microsoft.com/office/infopath/2007/PartnerControls" targetNamespace="1d6f4c64-016f-4dd2-938b-ad97c78a9044" elementFormDefault="qualified">
-    <xsd:import namespace="http://schemas.microsoft.com/office/2006/documentManagement/types"/>
-    <xsd:import namespace="http://schemas.microsoft.com/office/infopath/2007/PartnerControls"/>
-    <xsd:element name="MediaServiceMetadata" ma:index="8" nillable="true" ma:displayName="MediaServiceMetadata" ma:description="" ma:hidden="true" ma:internalName="MediaServiceMetadata" ma:readOnly="true">
-      <xsd:simpleType>
-        <xsd:restriction base="dms:Note"/>
-      </xsd:simpleType>
-    </xsd:element>
-    <xsd:element name="MediaServiceFastMetadata" ma:index="9" nillable="true" ma:displayName="MediaServiceFastMetadata" ma:description="" ma:hidden="true" ma:internalName="MediaServiceFastMetadata" ma:readOnly="true">
-      <xsd:simpleType>
-        <xsd:restriction base="dms:Note"/>
-      </xsd:simpleType>
-    </xsd:element>
-    <xsd:element name="MediaServiceDateTaken" ma:index="10" nillable="true" ma:displayName="MediaServiceDateTaken" ma:description="" ma:hidden="true" ma:internalName="MediaServiceDateTaken" ma:readOnly="true">
-      <xsd:simpleType>
-        <xsd:restriction base="dms:Text"/>
-      </xsd:simpleType>
-    </xsd:element>
-    <xsd:element name="MediaServiceAutoTags" ma:index="11" nillable="true" ma:displayName="MediaServiceAutoTags" ma:description="" ma:internalName="MediaServiceAutoTags" ma:readOnly="true">
-      <xsd:simpleType>
-        <xsd:restriction base="dms:Text"/>
-      </xsd:simpleType>
-    </xsd:element>
-    <xsd:element name="MediaServiceLocation" ma:index="12" nillable="true" ma:displayName="MediaServiceLocation" ma:description="" ma:internalName="MediaServiceLocation" ma:readOnly="true">
-      <xsd:simpleType>
-        <xsd:restriction base="dms:Text"/>
-      </xsd:simpleType>
-    </xsd:element>
-  </xsd:schema>
-  <xsd:schema xmlns:xsd="http://www.w3.org/2001/XMLSchema" xmlns:xs="http://www.w3.org/2001/XMLSchema" xmlns:dms="http://schemas.microsoft.com/office/2006/documentManagement/types" xmlns:pc="http://schemas.microsoft.com/office/infopath/2007/PartnerControls" targetNamespace="b0a4f539-48d0-4a69-82f2-fb42d29f3443" elementFormDefault="qualified">
-    <xsd:import namespace="http://schemas.microsoft.com/office/2006/documentManagement/types"/>
-    <xsd:import namespace="http://schemas.microsoft.com/office/infopath/2007/PartnerControls"/>
-    <xsd:element name="SharedWithUsers" ma:index="13" nillable="true" ma:displayName="Shared With" ma:description="" ma:internalName="SharedWithUsers" ma:readOnly="true">
-      <xsd:complexType>
-        <xsd:complexContent>
-          <xsd:extension base="dms:UserMulti">
-            <xsd:sequence>
-              <xsd:element name="UserInfo" minOccurs="0" maxOccurs="unbounded">
-                <xsd:complexType>
-                  <xsd:sequence>
-                    <xsd:element name="DisplayName" type="xsd:string" minOccurs="0"/>
-                    <xsd:element name="AccountId" type="dms:UserId" minOccurs="0" nillable="true"/>
-                    <xsd:element name="AccountType" type="xsd:string" minOccurs="0"/>
-                  </xsd:sequence>
-                </xsd:complexType>
-              </xsd:element>
-            </xsd:sequence>
-          </xsd:extension>
-        </xsd:complexContent>
-      </xsd:complexType>
-    </xsd:element>
-    <xsd:element name="SharedWithDetails" ma:index="14" nillable="true" ma:displayName="Shared With Details" ma:description="" ma:internalName="SharedWithDetails" ma:readOnly="true">
-      <xsd:simpleType>
-        <xsd:restriction base="dms:Note">
-          <xsd:maxLength value="255"/>
-        </xsd:restriction>
-      </xsd:simpleType>
-    </xsd:element>
-  </xsd:schema>
-  <xsd:schema xmlns="http://schemas.openxmlformats.org/package/2006/metadata/core-properties" xmlns:xsd="http://www.w3.org/2001/XMLSchema" xmlns:xsi="http://www.w3.org/2001/XMLSchema-instance" xmlns:dc="http://purl.org/dc/elements/1.1/" xmlns:dcterms="http://purl.org/dc/terms/" xmlns:odoc="http://schemas.microsoft.com/internal/obd" targetNamespace="http://schemas.openxmlformats.org/package/2006/metadata/core-properties" elementFormDefault="qualified" attributeFormDefault="unqualified" blockDefault="#all">
-    <xsd:import namespace="http://purl.org/dc/elements/1.1/" schemaLocation="http://dublincore.org/schemas/xmls/qdc/2003/04/02/dc.xsd"/>
-    <xsd:import namespace="http://purl.org/dc/terms/" schemaLocation="http://dublincore.org/schemas/xmls/qdc/2003/04/02/dcterms.xsd"/>
-    <xsd:element name="coreProperties" type="CT_coreProperties"/>
-    <xsd:complexType name="CT_coreProperties">
-      <xsd:all>
-        <xsd:element ref="dc:creator" minOccurs="0" maxOccurs="1"/>
-        <xsd:element ref="dcterms:created" minOccurs="0" maxOccurs="1"/>
-        <xsd:element ref="dc:identifier" minOccurs="0" maxOccurs="1"/>
-        <xsd:element name="contentType" minOccurs="0" maxOccurs="1" type="xsd:string" ma:index="0" ma:displayName="Content Type"/>
-        <xsd:element ref="dc:title" minOccurs="0" maxOccurs="1" ma:index="4" ma:displayName="Title"/>
-        <xsd:element ref="dc:subject" minOccurs="0" maxOccurs="1"/>
-        <xsd:element ref="dc:description" minOccurs="0" maxOccurs="1"/>
-        <xsd:element name="keywords" minOccurs="0" maxOccurs="1" type="xsd:string"/>
-        <xsd:element ref="dc:language" minOccurs="0" maxOccurs="1"/>
-        <xsd:element name="category" minOccurs="0" maxOccurs="1" type="xsd:string"/>
-        <xsd:element name="version" minOccurs="0" maxOccurs="1" type="xsd:string"/>
-        <xsd:element name="revision" minOccurs="0" maxOccurs="1" type="xsd:string">
-          <xsd:annotation>
-            <xsd:documentation>
-                        This value indicates the number of saves or revisions. The application is responsible for updating this value after each revision.
-                    </xsd:documentation>
-          </xsd:annotation>
-        </xsd:element>
-        <xsd:element name="lastModifiedBy" minOccurs="0" maxOccurs="1" type="xsd:string"/>
-        <xsd:element ref="dcterms:modified" minOccurs="0" maxOccurs="1"/>
-        <xsd:element name="contentStatus" minOccurs="0" maxOccurs="1" type="xsd:string"/>
-      </xsd:all>
-    </xsd:complexType>
-  </xsd:schema>
-  <xs:schema xmlns:pc="http://schemas.microsoft.com/office/infopath/2007/PartnerControls" xmlns:xs="http://www.w3.org/2001/XMLSchema" targetNamespace="http://schemas.microsoft.com/office/infopath/2007/PartnerControls" elementFormDefault="qualified" attributeFormDefault="unqualified">
-    <xs:element name="Person">
-      <xs:complexType>
-        <xs:sequence>
-          <xs:element ref="pc:DisplayName" minOccurs="0"/>
-          <xs:element ref="pc:AccountId" minOccurs="0"/>
-          <xs:element ref="pc:AccountType" minOccurs="0"/>
-        </xs:sequence>
-      </xs:complexType>
-    </xs:element>
-    <xs:element name="DisplayName" type="xs:string"/>
-    <xs:element name="AccountId" type="xs:string"/>
-    <xs:element name="AccountType" type="xs:string"/>
-    <xs:element name="BDCAssociatedEntity">
-      <xs:complexType>
-        <xs:sequence>
-          <xs:element ref="pc:BDCEntity" minOccurs="0" maxOccurs="unbounded"/>
-        </xs:sequence>
-        <xs:attribute ref="pc:EntityNamespace"/>
-        <xs:attribute ref="pc:EntityName"/>
-        <xs:attribute ref="pc:SystemInstanceName"/>
-        <xs:attribute ref="pc:AssociationName"/>
-      </xs:complexType>
-    </xs:element>
-    <xs:attribute name="EntityNamespace" type="xs:string"/>
-    <xs:attribute name="EntityName" type="xs:string"/>
-    <xs:attribute name="SystemInstanceName" type="xs:string"/>
-    <xs:attribute name="AssociationName" type="xs:string"/>
-    <xs:element name="BDCEntity">
-      <xs:complexType>
-        <xs:sequence>
-          <xs:element ref="pc:EntityDisplayName" minOccurs="0"/>
-          <xs:element ref="pc:EntityInstanceReference" minOccurs="0"/>
-          <xs:element ref="pc:EntityId1" minOccurs="0"/>
-          <xs:element ref="pc:EntityId2" minOccurs="0"/>
-          <xs:element ref="pc:EntityId3" minOccurs="0"/>
-          <xs:element ref="pc:EntityId4" minOccurs="0"/>
-          <xs:element ref="pc:EntityId5" minOccurs="0"/>
-        </xs:sequence>
-      </xs:complexType>
-    </xs:element>
-    <xs:element name="EntityDisplayName" type="xs:string"/>
-    <xs:element name="EntityInstanceReference" type="xs:string"/>
-    <xs:element name="EntityId1" type="xs:string"/>
-    <xs:element name="EntityId2" type="xs:string"/>
-    <xs:element name="EntityId3" type="xs:string"/>
-    <xs:element name="EntityId4" type="xs:string"/>
-    <xs:element name="EntityId5" type="xs:string"/>
-    <xs:element name="Terms">
-      <xs:complexType>
-        <xs:sequence>
-          <xs:element ref="pc:TermInfo" minOccurs="0" maxOccurs="unbounded"/>
-        </xs:sequence>
-      </xs:complexType>
-    </xs:element>
-    <xs:element name="TermInfo">
-      <xs:complexType>
-        <xs:sequence>
-          <xs:element ref="pc:TermName" minOccurs="0"/>
-          <xs:element ref="pc:TermId" minOccurs="0"/>
-        </xs:sequence>
-      </xs:complexType>
-    </xs:element>
-    <xs:element name="TermName" type="xs:string"/>
-    <xs:element name="TermId" type="xs:string"/>
-  </xs:schema>
-</ct:contentTypeSchema>
-</file>
-
-<file path=customXml/item2.xml><?xml version="1.0" encoding="utf-8"?>
-<p:properties xmlns:p="http://schemas.microsoft.com/office/2006/metadata/properties" xmlns:xsi="http://www.w3.org/2001/XMLSchema-instance" xmlns:pc="http://schemas.microsoft.com/office/infopath/2007/PartnerControls">
-  <documentManagement/>
-</p:properties>
-</file>
-
-<file path=customXml/item3.xml><?xml version="1.0" encoding="utf-8"?>
-<?mso-contentType ?>
-<FormTemplates xmlns="http://schemas.microsoft.com/sharepoint/v3/contenttype/forms">
-  <Display>DocumentLibraryForm</Display>
-  <Edit>DocumentLibraryForm</Edit>
-  <New>DocumentLibraryForm</New>
-</FormTemplates>
-</file>
-
-<file path=customXml/itemProps1.xml><?xml version="1.0" encoding="utf-8"?>
-<ds:datastoreItem xmlns:ds="http://schemas.openxmlformats.org/officeDocument/2006/customXml" ds:itemID="{F3C1008C-4156-4727-AEC7-4DDA4B0D0666}">
-  <ds:schemaRefs>
-    <ds:schemaRef ds:uri="http://schemas.microsoft.com/office/2006/metadata/contentType"/>
-    <ds:schemaRef ds:uri="http://schemas.microsoft.com/office/2006/metadata/properties/metaAttributes"/>
-    <ds:schemaRef ds:uri="http://www.w3.org/2001/XMLSchema"/>
-    <ds:schemaRef ds:uri="http://schemas.microsoft.com/office/2006/metadata/properties"/>
-    <ds:schemaRef ds:uri="1d6f4c64-016f-4dd2-938b-ad97c78a9044"/>
-    <ds:schemaRef ds:uri="b0a4f539-48d0-4a69-82f2-fb42d29f3443"/>
-    <ds:schemaRef ds:uri="http://schemas.microsoft.com/office/2006/documentManagement/types"/>
-    <ds:schemaRef ds:uri="http://schemas.microsoft.com/office/infopath/2007/PartnerControls"/>
-    <ds:schemaRef ds:uri="http://schemas.openxmlformats.org/package/2006/metadata/core-properties"/>
-    <ds:schemaRef ds:uri="http://purl.org/dc/elements/1.1/"/>
-    <ds:schemaRef ds:uri="http://purl.org/dc/terms/"/>
-    <ds:schemaRef ds:uri="http://schemas.microsoft.com/internal/obd"/>
-  </ds:schemaRefs>
-</ds:datastoreItem>
-</file>
-
-<file path=customXml/itemProps2.xml><?xml version="1.0" encoding="utf-8"?>
-<ds:datastoreItem xmlns:ds="http://schemas.openxmlformats.org/officeDocument/2006/customXml" ds:itemID="{305B2934-E4CD-403C-9D05-A4710B6460D0}">
-  <ds:schemaRefs>
-    <ds:schemaRef ds:uri="http://schemas.microsoft.com/office/2006/metadata/properties"/>
-    <ds:schemaRef ds:uri="http://schemas.microsoft.com/office/infopath/2007/PartnerControls"/>
-  </ds:schemaRefs>
-</ds:datastoreItem>
-</file>
-
-<file path=customXml/itemProps3.xml><?xml version="1.0" encoding="utf-8"?>
-<ds:datastoreItem xmlns:ds="http://schemas.openxmlformats.org/officeDocument/2006/customXml" ds:itemID="{63193CCD-6AD7-4753-9405-2074E943F663}">
-  <ds:schemaRefs>
-    <ds:schemaRef ds:uri="http://schemas.microsoft.com/sharepoint/v3/contenttype/forms"/>
-  </ds:schemaRefs>
-</ds:datastoreItem>
 </file>